--- a/Week 5/GitHub Presentation.pptx
+++ b/Week 5/GitHub Presentation.pptx
@@ -16,16 +16,16 @@
     <p:sldId id="264" r:id="rId10"/>
     <p:sldId id="265" r:id="rId11"/>
     <p:sldId id="274" r:id="rId12"/>
-    <p:sldId id="278" r:id="rId13"/>
-    <p:sldId id="271" r:id="rId14"/>
-    <p:sldId id="273" r:id="rId15"/>
-    <p:sldId id="275" r:id="rId16"/>
-    <p:sldId id="272" r:id="rId17"/>
-    <p:sldId id="279" r:id="rId18"/>
-    <p:sldId id="280" r:id="rId19"/>
-    <p:sldId id="281" r:id="rId20"/>
-    <p:sldId id="276" r:id="rId21"/>
-    <p:sldId id="277" r:id="rId22"/>
+    <p:sldId id="271" r:id="rId13"/>
+    <p:sldId id="273" r:id="rId14"/>
+    <p:sldId id="275" r:id="rId15"/>
+    <p:sldId id="272" r:id="rId16"/>
+    <p:sldId id="279" r:id="rId17"/>
+    <p:sldId id="280" r:id="rId18"/>
+    <p:sldId id="281" r:id="rId19"/>
+    <p:sldId id="276" r:id="rId20"/>
+    <p:sldId id="277" r:id="rId21"/>
+    <p:sldId id="282" r:id="rId22"/>
     <p:sldId id="267" r:id="rId23"/>
   </p:sldIdLst>
   <p:sldSz cx="12192000" cy="6858000"/>
@@ -5757,7 +5757,7 @@
         </p:blipFill>
         <p:spPr>
           <a:xfrm>
-            <a:off x="372139" y="351489"/>
+            <a:off x="372139" y="290529"/>
             <a:ext cx="5937255" cy="2148814"/>
           </a:xfrm>
           <a:prstGeom prst="rect">
@@ -6600,8 +6600,8 @@
         </p:nvSpPr>
         <p:spPr>
           <a:xfrm>
-            <a:off x="838200" y="1825625"/>
-            <a:ext cx="10515600" cy="4667250"/>
+            <a:off x="731520" y="1825625"/>
+            <a:ext cx="11948160" cy="4667250"/>
           </a:xfrm>
         </p:spPr>
         <p:txBody>
@@ -7551,169 +7551,6 @@
           <p:cNvPr id="2" name="Title 1">
             <a:extLst>
               <a:ext uri="{FF2B5EF4-FFF2-40B4-BE49-F238E27FC236}">
-                <a16:creationId xmlns:a16="http://schemas.microsoft.com/office/drawing/2014/main" id="{9338A923-FAFB-4A7B-84A8-235926747705}"/>
-              </a:ext>
-            </a:extLst>
-          </p:cNvPr>
-          <p:cNvSpPr>
-            <a:spLocks noGrp="1"/>
-          </p:cNvSpPr>
-          <p:nvPr>
-            <p:ph type="title"/>
-          </p:nvPr>
-        </p:nvSpPr>
-        <p:spPr/>
-        <p:txBody>
-          <a:bodyPr/>
-          <a:lstStyle/>
-          <a:p>
-            <a:r>
-              <a:rPr lang="en-US" b="1" dirty="0">
-                <a:solidFill>
-                  <a:srgbClr val="FF0000"/>
-                </a:solidFill>
-              </a:rPr>
-              <a:t>QUESTION</a:t>
-            </a:r>
-          </a:p>
-        </p:txBody>
-      </p:sp>
-      <p:sp>
-        <p:nvSpPr>
-          <p:cNvPr id="3" name="Content Placeholder 2">
-            <a:extLst>
-              <a:ext uri="{FF2B5EF4-FFF2-40B4-BE49-F238E27FC236}">
-                <a16:creationId xmlns:a16="http://schemas.microsoft.com/office/drawing/2014/main" id="{2AF475E2-5011-4BD6-9277-3EDF664F8583}"/>
-              </a:ext>
-            </a:extLst>
-          </p:cNvPr>
-          <p:cNvSpPr>
-            <a:spLocks noGrp="1"/>
-          </p:cNvSpPr>
-          <p:nvPr>
-            <p:ph idx="1"/>
-          </p:nvPr>
-        </p:nvSpPr>
-        <p:spPr/>
-        <p:txBody>
-          <a:bodyPr/>
-          <a:lstStyle/>
-          <a:p>
-            <a:pPr marL="514350" indent="-514350">
-              <a:buFont typeface="+mj-lt"/>
-              <a:buAutoNum type="arabicPeriod"/>
-            </a:pPr>
-            <a:r>
-              <a:rPr lang="en-US" dirty="0"/>
-              <a:t>Suppose I checkout a previous version and make edits. How can this be handled? </a:t>
-            </a:r>
-          </a:p>
-          <a:p>
-            <a:pPr marL="514350" indent="-514350">
-              <a:buFont typeface="+mj-lt"/>
-              <a:buAutoNum type="arabicPeriod"/>
-            </a:pPr>
-            <a:r>
-              <a:rPr lang="en-US" dirty="0"/>
-              <a:t>How do you revert to a previous version?</a:t>
-            </a:r>
-          </a:p>
-          <a:p>
-            <a:pPr marL="514350" indent="-514350">
-              <a:buFont typeface="+mj-lt"/>
-              <a:buAutoNum type="arabicPeriod"/>
-            </a:pPr>
-            <a:endParaRPr lang="en-US" dirty="0"/>
-          </a:p>
-        </p:txBody>
-      </p:sp>
-      <p:sp>
-        <p:nvSpPr>
-          <p:cNvPr id="4" name="Rectangle 3">
-            <a:extLst>
-              <a:ext uri="{FF2B5EF4-FFF2-40B4-BE49-F238E27FC236}">
-                <a16:creationId xmlns:a16="http://schemas.microsoft.com/office/drawing/2014/main" id="{9789CC8C-6F28-4481-9ECD-2A89118ADFD9}"/>
-              </a:ext>
-            </a:extLst>
-          </p:cNvPr>
-          <p:cNvSpPr/>
-          <p:nvPr/>
-        </p:nvSpPr>
-        <p:spPr>
-          <a:xfrm>
-            <a:off x="81280" y="91440"/>
-            <a:ext cx="12029440" cy="6675120"/>
-          </a:xfrm>
-          <a:prstGeom prst="rect">
-            <a:avLst/>
-          </a:prstGeom>
-          <a:noFill/>
-          <a:ln w="19050">
-            <a:solidFill>
-              <a:schemeClr val="tx1"/>
-            </a:solidFill>
-          </a:ln>
-        </p:spPr>
-        <p:style>
-          <a:lnRef idx="2">
-            <a:schemeClr val="accent1">
-              <a:shade val="50000"/>
-            </a:schemeClr>
-          </a:lnRef>
-          <a:fillRef idx="1">
-            <a:schemeClr val="accent1"/>
-          </a:fillRef>
-          <a:effectRef idx="0">
-            <a:schemeClr val="accent1"/>
-          </a:effectRef>
-          <a:fontRef idx="minor">
-            <a:schemeClr val="lt1"/>
-          </a:fontRef>
-        </p:style>
-        <p:txBody>
-          <a:bodyPr rtlCol="0" anchor="ctr"/>
-          <a:lstStyle/>
-          <a:p>
-            <a:pPr algn="ctr"/>
-            <a:endParaRPr lang="en-US"/>
-          </a:p>
-        </p:txBody>
-      </p:sp>
-    </p:spTree>
-    <p:extLst>
-      <p:ext uri="{BB962C8B-B14F-4D97-AF65-F5344CB8AC3E}">
-        <p14:creationId xmlns:p14="http://schemas.microsoft.com/office/powerpoint/2010/main" val="4182684180"/>
-      </p:ext>
-    </p:extLst>
-  </p:cSld>
-  <p:clrMapOvr>
-    <a:masterClrMapping/>
-  </p:clrMapOvr>
-</p:sld>
-</file>
-
-<file path=ppt/slides/slide13.xml><?xml version="1.0" encoding="utf-8"?>
-<p:sld xmlns:a="http://schemas.openxmlformats.org/drawingml/2006/main" xmlns:r="http://schemas.openxmlformats.org/officeDocument/2006/relationships" xmlns:p="http://schemas.openxmlformats.org/presentationml/2006/main">
-  <p:cSld>
-    <p:spTree>
-      <p:nvGrpSpPr>
-        <p:cNvPr id="1" name=""/>
-        <p:cNvGrpSpPr/>
-        <p:nvPr/>
-      </p:nvGrpSpPr>
-      <p:grpSpPr>
-        <a:xfrm>
-          <a:off x="0" y="0"/>
-          <a:ext cx="0" cy="0"/>
-          <a:chOff x="0" y="0"/>
-          <a:chExt cx="0" cy="0"/>
-        </a:xfrm>
-      </p:grpSpPr>
-      <p:sp>
-        <p:nvSpPr>
-          <p:cNvPr id="2" name="Title 1">
-            <a:extLst>
-              <a:ext uri="{FF2B5EF4-FFF2-40B4-BE49-F238E27FC236}">
                 <a16:creationId xmlns:a16="http://schemas.microsoft.com/office/drawing/2014/main" id="{B306A7C2-238E-4FE7-9E7C-687E1BF7409C}"/>
               </a:ext>
             </a:extLst>
@@ -7999,6 +7836,501 @@
                                           <p:spTgt spid="3">
                                             <p:txEl>
                                               <p:pRg st="2" end="2"/>
+                                            </p:txEl>
+                                          </p:spTgt>
+                                        </p:tgtEl>
+                                      </p:cBhvr>
+                                    </p:animEffect>
+                                  </p:childTnLst>
+                                </p:cTn>
+                              </p:par>
+                            </p:childTnLst>
+                          </p:cTn>
+                        </p:par>
+                      </p:childTnLst>
+                    </p:cTn>
+                  </p:par>
+                </p:childTnLst>
+              </p:cTn>
+              <p:prevCondLst>
+                <p:cond evt="onPrev" delay="0">
+                  <p:tgtEl>
+                    <p:sldTgt/>
+                  </p:tgtEl>
+                </p:cond>
+              </p:prevCondLst>
+              <p:nextCondLst>
+                <p:cond evt="onNext" delay="0">
+                  <p:tgtEl>
+                    <p:sldTgt/>
+                  </p:tgtEl>
+                </p:cond>
+              </p:nextCondLst>
+            </p:seq>
+          </p:childTnLst>
+        </p:cTn>
+      </p:par>
+    </p:tnLst>
+    <p:bldLst>
+      <p:bldP spid="3" grpId="0" build="p"/>
+    </p:bldLst>
+  </p:timing>
+</p:sld>
+</file>
+
+<file path=ppt/slides/slide13.xml><?xml version="1.0" encoding="utf-8"?>
+<p:sld xmlns:a="http://schemas.openxmlformats.org/drawingml/2006/main" xmlns:r="http://schemas.openxmlformats.org/officeDocument/2006/relationships" xmlns:p="http://schemas.openxmlformats.org/presentationml/2006/main">
+  <p:cSld>
+    <p:spTree>
+      <p:nvGrpSpPr>
+        <p:cNvPr id="1" name=""/>
+        <p:cNvGrpSpPr/>
+        <p:nvPr/>
+      </p:nvGrpSpPr>
+      <p:grpSpPr>
+        <a:xfrm>
+          <a:off x="0" y="0"/>
+          <a:ext cx="0" cy="0"/>
+          <a:chOff x="0" y="0"/>
+          <a:chExt cx="0" cy="0"/>
+        </a:xfrm>
+      </p:grpSpPr>
+      <p:sp>
+        <p:nvSpPr>
+          <p:cNvPr id="2" name="Title 1">
+            <a:extLst>
+              <a:ext uri="{FF2B5EF4-FFF2-40B4-BE49-F238E27FC236}">
+                <a16:creationId xmlns:a16="http://schemas.microsoft.com/office/drawing/2014/main" id="{E09DB5C9-6CDE-4140-B113-CE20DA588D6C}"/>
+              </a:ext>
+            </a:extLst>
+          </p:cNvPr>
+          <p:cNvSpPr>
+            <a:spLocks noGrp="1"/>
+          </p:cNvSpPr>
+          <p:nvPr>
+            <p:ph type="title"/>
+          </p:nvPr>
+        </p:nvSpPr>
+        <p:spPr/>
+        <p:txBody>
+          <a:bodyPr/>
+          <a:lstStyle/>
+          <a:p>
+            <a:r>
+              <a:rPr lang="en-US" b="1" dirty="0"/>
+              <a:t>Pull modifications from GitHub</a:t>
+            </a:r>
+          </a:p>
+        </p:txBody>
+      </p:sp>
+      <p:sp>
+        <p:nvSpPr>
+          <p:cNvPr id="3" name="Content Placeholder 2">
+            <a:extLst>
+              <a:ext uri="{FF2B5EF4-FFF2-40B4-BE49-F238E27FC236}">
+                <a16:creationId xmlns:a16="http://schemas.microsoft.com/office/drawing/2014/main" id="{30696B25-6EB6-46EC-9BCC-5CF29D27603F}"/>
+              </a:ext>
+            </a:extLst>
+          </p:cNvPr>
+          <p:cNvSpPr>
+            <a:spLocks noGrp="1"/>
+          </p:cNvSpPr>
+          <p:nvPr>
+            <p:ph idx="1"/>
+          </p:nvPr>
+        </p:nvSpPr>
+        <p:spPr/>
+        <p:txBody>
+          <a:bodyPr/>
+          <a:lstStyle/>
+          <a:p>
+            <a:r>
+              <a:rPr lang="en-US" dirty="0"/>
+              <a:t>Go to GitHub and open your file </a:t>
+            </a:r>
+          </a:p>
+          <a:p>
+            <a:r>
+              <a:rPr lang="en-US" dirty="0"/>
+              <a:t>Make some modifications &gt;&gt; commit</a:t>
+            </a:r>
+          </a:p>
+          <a:p>
+            <a:pPr marL="0" indent="0">
+              <a:buNone/>
+            </a:pPr>
+            <a:endParaRPr lang="en-US" dirty="0"/>
+          </a:p>
+          <a:p>
+            <a:r>
+              <a:rPr lang="en-US" dirty="0"/>
+              <a:t>Go to Sublime Merge: </a:t>
+            </a:r>
+          </a:p>
+          <a:p>
+            <a:pPr lvl="1"/>
+            <a:r>
+              <a:rPr lang="en-US" dirty="0"/>
+              <a:t>Pull</a:t>
+            </a:r>
+          </a:p>
+          <a:p>
+            <a:r>
+              <a:rPr lang="en-US" dirty="0"/>
+              <a:t>Check out your modifications on your local repository</a:t>
+            </a:r>
+          </a:p>
+          <a:p>
+            <a:pPr marL="0" indent="0">
+              <a:buNone/>
+            </a:pPr>
+            <a:endParaRPr lang="en-US" dirty="0"/>
+          </a:p>
+        </p:txBody>
+      </p:sp>
+      <p:sp>
+        <p:nvSpPr>
+          <p:cNvPr id="4" name="Rectangle 3">
+            <a:extLst>
+              <a:ext uri="{FF2B5EF4-FFF2-40B4-BE49-F238E27FC236}">
+                <a16:creationId xmlns:a16="http://schemas.microsoft.com/office/drawing/2014/main" id="{A9FBF124-DBF2-4B5D-B113-5680482BBA5E}"/>
+              </a:ext>
+            </a:extLst>
+          </p:cNvPr>
+          <p:cNvSpPr/>
+          <p:nvPr/>
+        </p:nvSpPr>
+        <p:spPr>
+          <a:xfrm>
+            <a:off x="81280" y="91440"/>
+            <a:ext cx="12029440" cy="6675120"/>
+          </a:xfrm>
+          <a:prstGeom prst="rect">
+            <a:avLst/>
+          </a:prstGeom>
+          <a:noFill/>
+          <a:ln w="19050">
+            <a:solidFill>
+              <a:schemeClr val="tx1"/>
+            </a:solidFill>
+          </a:ln>
+        </p:spPr>
+        <p:style>
+          <a:lnRef idx="2">
+            <a:schemeClr val="accent1">
+              <a:shade val="50000"/>
+            </a:schemeClr>
+          </a:lnRef>
+          <a:fillRef idx="1">
+            <a:schemeClr val="accent1"/>
+          </a:fillRef>
+          <a:effectRef idx="0">
+            <a:schemeClr val="accent1"/>
+          </a:effectRef>
+          <a:fontRef idx="minor">
+            <a:schemeClr val="lt1"/>
+          </a:fontRef>
+        </p:style>
+        <p:txBody>
+          <a:bodyPr rtlCol="0" anchor="ctr"/>
+          <a:lstStyle/>
+          <a:p>
+            <a:pPr algn="ctr"/>
+            <a:endParaRPr lang="en-US"/>
+          </a:p>
+        </p:txBody>
+      </p:sp>
+    </p:spTree>
+    <p:extLst>
+      <p:ext uri="{BB962C8B-B14F-4D97-AF65-F5344CB8AC3E}">
+        <p14:creationId xmlns:p14="http://schemas.microsoft.com/office/powerpoint/2010/main" val="1115666585"/>
+      </p:ext>
+    </p:extLst>
+  </p:cSld>
+  <p:clrMapOvr>
+    <a:masterClrMapping/>
+  </p:clrMapOvr>
+  <p:timing>
+    <p:tnLst>
+      <p:par>
+        <p:cTn id="1" dur="indefinite" restart="never" nodeType="tmRoot">
+          <p:childTnLst>
+            <p:seq concurrent="1" nextAc="seek">
+              <p:cTn id="2" dur="indefinite" nodeType="mainSeq">
+                <p:childTnLst>
+                  <p:par>
+                    <p:cTn id="3" fill="hold">
+                      <p:stCondLst>
+                        <p:cond delay="indefinite"/>
+                      </p:stCondLst>
+                      <p:childTnLst>
+                        <p:par>
+                          <p:cTn id="4" fill="hold">
+                            <p:stCondLst>
+                              <p:cond delay="0"/>
+                            </p:stCondLst>
+                            <p:childTnLst>
+                              <p:par>
+                                <p:cTn id="5" presetID="10" presetClass="entr" presetSubtype="0" fill="hold" grpId="0" nodeType="clickEffect">
+                                  <p:stCondLst>
+                                    <p:cond delay="0"/>
+                                  </p:stCondLst>
+                                  <p:childTnLst>
+                                    <p:set>
+                                      <p:cBhvr>
+                                        <p:cTn id="6" dur="1" fill="hold">
+                                          <p:stCondLst>
+                                            <p:cond delay="0"/>
+                                          </p:stCondLst>
+                                        </p:cTn>
+                                        <p:tgtEl>
+                                          <p:spTgt spid="3">
+                                            <p:txEl>
+                                              <p:pRg st="0" end="0"/>
+                                            </p:txEl>
+                                          </p:spTgt>
+                                        </p:tgtEl>
+                                        <p:attrNameLst>
+                                          <p:attrName>style.visibility</p:attrName>
+                                        </p:attrNameLst>
+                                      </p:cBhvr>
+                                      <p:to>
+                                        <p:strVal val="visible"/>
+                                      </p:to>
+                                    </p:set>
+                                    <p:animEffect transition="in" filter="fade">
+                                      <p:cBhvr>
+                                        <p:cTn id="7" dur="500"/>
+                                        <p:tgtEl>
+                                          <p:spTgt spid="3">
+                                            <p:txEl>
+                                              <p:pRg st="0" end="0"/>
+                                            </p:txEl>
+                                          </p:spTgt>
+                                        </p:tgtEl>
+                                      </p:cBhvr>
+                                    </p:animEffect>
+                                  </p:childTnLst>
+                                </p:cTn>
+                              </p:par>
+                            </p:childTnLst>
+                          </p:cTn>
+                        </p:par>
+                      </p:childTnLst>
+                    </p:cTn>
+                  </p:par>
+                  <p:par>
+                    <p:cTn id="8" fill="hold">
+                      <p:stCondLst>
+                        <p:cond delay="indefinite"/>
+                      </p:stCondLst>
+                      <p:childTnLst>
+                        <p:par>
+                          <p:cTn id="9" fill="hold">
+                            <p:stCondLst>
+                              <p:cond delay="0"/>
+                            </p:stCondLst>
+                            <p:childTnLst>
+                              <p:par>
+                                <p:cTn id="10" presetID="10" presetClass="entr" presetSubtype="0" fill="hold" grpId="0" nodeType="clickEffect">
+                                  <p:stCondLst>
+                                    <p:cond delay="0"/>
+                                  </p:stCondLst>
+                                  <p:childTnLst>
+                                    <p:set>
+                                      <p:cBhvr>
+                                        <p:cTn id="11" dur="1" fill="hold">
+                                          <p:stCondLst>
+                                            <p:cond delay="0"/>
+                                          </p:stCondLst>
+                                        </p:cTn>
+                                        <p:tgtEl>
+                                          <p:spTgt spid="3">
+                                            <p:txEl>
+                                              <p:pRg st="1" end="1"/>
+                                            </p:txEl>
+                                          </p:spTgt>
+                                        </p:tgtEl>
+                                        <p:attrNameLst>
+                                          <p:attrName>style.visibility</p:attrName>
+                                        </p:attrNameLst>
+                                      </p:cBhvr>
+                                      <p:to>
+                                        <p:strVal val="visible"/>
+                                      </p:to>
+                                    </p:set>
+                                    <p:animEffect transition="in" filter="fade">
+                                      <p:cBhvr>
+                                        <p:cTn id="12" dur="500"/>
+                                        <p:tgtEl>
+                                          <p:spTgt spid="3">
+                                            <p:txEl>
+                                              <p:pRg st="1" end="1"/>
+                                            </p:txEl>
+                                          </p:spTgt>
+                                        </p:tgtEl>
+                                      </p:cBhvr>
+                                    </p:animEffect>
+                                  </p:childTnLst>
+                                </p:cTn>
+                              </p:par>
+                            </p:childTnLst>
+                          </p:cTn>
+                        </p:par>
+                      </p:childTnLst>
+                    </p:cTn>
+                  </p:par>
+                  <p:par>
+                    <p:cTn id="13" fill="hold">
+                      <p:stCondLst>
+                        <p:cond delay="indefinite"/>
+                      </p:stCondLst>
+                      <p:childTnLst>
+                        <p:par>
+                          <p:cTn id="14" fill="hold">
+                            <p:stCondLst>
+                              <p:cond delay="0"/>
+                            </p:stCondLst>
+                            <p:childTnLst>
+                              <p:par>
+                                <p:cTn id="15" presetID="10" presetClass="entr" presetSubtype="0" fill="hold" grpId="0" nodeType="clickEffect">
+                                  <p:stCondLst>
+                                    <p:cond delay="0"/>
+                                  </p:stCondLst>
+                                  <p:childTnLst>
+                                    <p:set>
+                                      <p:cBhvr>
+                                        <p:cTn id="16" dur="1" fill="hold">
+                                          <p:stCondLst>
+                                            <p:cond delay="0"/>
+                                          </p:stCondLst>
+                                        </p:cTn>
+                                        <p:tgtEl>
+                                          <p:spTgt spid="3">
+                                            <p:txEl>
+                                              <p:pRg st="3" end="3"/>
+                                            </p:txEl>
+                                          </p:spTgt>
+                                        </p:tgtEl>
+                                        <p:attrNameLst>
+                                          <p:attrName>style.visibility</p:attrName>
+                                        </p:attrNameLst>
+                                      </p:cBhvr>
+                                      <p:to>
+                                        <p:strVal val="visible"/>
+                                      </p:to>
+                                    </p:set>
+                                    <p:animEffect transition="in" filter="fade">
+                                      <p:cBhvr>
+                                        <p:cTn id="17" dur="500"/>
+                                        <p:tgtEl>
+                                          <p:spTgt spid="3">
+                                            <p:txEl>
+                                              <p:pRg st="3" end="3"/>
+                                            </p:txEl>
+                                          </p:spTgt>
+                                        </p:tgtEl>
+                                      </p:cBhvr>
+                                    </p:animEffect>
+                                  </p:childTnLst>
+                                </p:cTn>
+                              </p:par>
+                              <p:par>
+                                <p:cTn id="18" presetID="10" presetClass="entr" presetSubtype="0" fill="hold" grpId="0" nodeType="withEffect">
+                                  <p:stCondLst>
+                                    <p:cond delay="0"/>
+                                  </p:stCondLst>
+                                  <p:childTnLst>
+                                    <p:set>
+                                      <p:cBhvr>
+                                        <p:cTn id="19" dur="1" fill="hold">
+                                          <p:stCondLst>
+                                            <p:cond delay="0"/>
+                                          </p:stCondLst>
+                                        </p:cTn>
+                                        <p:tgtEl>
+                                          <p:spTgt spid="3">
+                                            <p:txEl>
+                                              <p:pRg st="4" end="4"/>
+                                            </p:txEl>
+                                          </p:spTgt>
+                                        </p:tgtEl>
+                                        <p:attrNameLst>
+                                          <p:attrName>style.visibility</p:attrName>
+                                        </p:attrNameLst>
+                                      </p:cBhvr>
+                                      <p:to>
+                                        <p:strVal val="visible"/>
+                                      </p:to>
+                                    </p:set>
+                                    <p:animEffect transition="in" filter="fade">
+                                      <p:cBhvr>
+                                        <p:cTn id="20" dur="500"/>
+                                        <p:tgtEl>
+                                          <p:spTgt spid="3">
+                                            <p:txEl>
+                                              <p:pRg st="4" end="4"/>
+                                            </p:txEl>
+                                          </p:spTgt>
+                                        </p:tgtEl>
+                                      </p:cBhvr>
+                                    </p:animEffect>
+                                  </p:childTnLst>
+                                </p:cTn>
+                              </p:par>
+                            </p:childTnLst>
+                          </p:cTn>
+                        </p:par>
+                      </p:childTnLst>
+                    </p:cTn>
+                  </p:par>
+                  <p:par>
+                    <p:cTn id="21" fill="hold">
+                      <p:stCondLst>
+                        <p:cond delay="indefinite"/>
+                      </p:stCondLst>
+                      <p:childTnLst>
+                        <p:par>
+                          <p:cTn id="22" fill="hold">
+                            <p:stCondLst>
+                              <p:cond delay="0"/>
+                            </p:stCondLst>
+                            <p:childTnLst>
+                              <p:par>
+                                <p:cTn id="23" presetID="10" presetClass="entr" presetSubtype="0" fill="hold" grpId="0" nodeType="clickEffect">
+                                  <p:stCondLst>
+                                    <p:cond delay="0"/>
+                                  </p:stCondLst>
+                                  <p:childTnLst>
+                                    <p:set>
+                                      <p:cBhvr>
+                                        <p:cTn id="24" dur="1" fill="hold">
+                                          <p:stCondLst>
+                                            <p:cond delay="0"/>
+                                          </p:stCondLst>
+                                        </p:cTn>
+                                        <p:tgtEl>
+                                          <p:spTgt spid="3">
+                                            <p:txEl>
+                                              <p:pRg st="5" end="5"/>
+                                            </p:txEl>
+                                          </p:spTgt>
+                                        </p:tgtEl>
+                                        <p:attrNameLst>
+                                          <p:attrName>style.visibility</p:attrName>
+                                        </p:attrNameLst>
+                                      </p:cBhvr>
+                                      <p:to>
+                                        <p:strVal val="visible"/>
+                                      </p:to>
+                                    </p:set>
+                                    <p:animEffect transition="in" filter="fade">
+                                      <p:cBhvr>
+                                        <p:cTn id="25" dur="500"/>
+                                        <p:tgtEl>
+                                          <p:spTgt spid="3">
+                                            <p:txEl>
+                                              <p:pRg st="5" end="5"/>
                                             </p:txEl>
                                           </p:spTgt>
                                         </p:tgtEl>
@@ -8063,501 +8395,6 @@
           <p:cNvPr id="2" name="Title 1">
             <a:extLst>
               <a:ext uri="{FF2B5EF4-FFF2-40B4-BE49-F238E27FC236}">
-                <a16:creationId xmlns:a16="http://schemas.microsoft.com/office/drawing/2014/main" id="{E09DB5C9-6CDE-4140-B113-CE20DA588D6C}"/>
-              </a:ext>
-            </a:extLst>
-          </p:cNvPr>
-          <p:cNvSpPr>
-            <a:spLocks noGrp="1"/>
-          </p:cNvSpPr>
-          <p:nvPr>
-            <p:ph type="title"/>
-          </p:nvPr>
-        </p:nvSpPr>
-        <p:spPr/>
-        <p:txBody>
-          <a:bodyPr/>
-          <a:lstStyle/>
-          <a:p>
-            <a:r>
-              <a:rPr lang="en-US" b="1" dirty="0"/>
-              <a:t>Pull modifications from GitHub</a:t>
-            </a:r>
-          </a:p>
-        </p:txBody>
-      </p:sp>
-      <p:sp>
-        <p:nvSpPr>
-          <p:cNvPr id="3" name="Content Placeholder 2">
-            <a:extLst>
-              <a:ext uri="{FF2B5EF4-FFF2-40B4-BE49-F238E27FC236}">
-                <a16:creationId xmlns:a16="http://schemas.microsoft.com/office/drawing/2014/main" id="{30696B25-6EB6-46EC-9BCC-5CF29D27603F}"/>
-              </a:ext>
-            </a:extLst>
-          </p:cNvPr>
-          <p:cNvSpPr>
-            <a:spLocks noGrp="1"/>
-          </p:cNvSpPr>
-          <p:nvPr>
-            <p:ph idx="1"/>
-          </p:nvPr>
-        </p:nvSpPr>
-        <p:spPr/>
-        <p:txBody>
-          <a:bodyPr/>
-          <a:lstStyle/>
-          <a:p>
-            <a:r>
-              <a:rPr lang="en-US" dirty="0"/>
-              <a:t>Go to GitHub and open your file </a:t>
-            </a:r>
-          </a:p>
-          <a:p>
-            <a:r>
-              <a:rPr lang="en-US" dirty="0"/>
-              <a:t>Make some modifications &gt;&gt; commit</a:t>
-            </a:r>
-          </a:p>
-          <a:p>
-            <a:pPr marL="0" indent="0">
-              <a:buNone/>
-            </a:pPr>
-            <a:endParaRPr lang="en-US" dirty="0"/>
-          </a:p>
-          <a:p>
-            <a:r>
-              <a:rPr lang="en-US" dirty="0"/>
-              <a:t>Go to Sublime Merge: </a:t>
-            </a:r>
-          </a:p>
-          <a:p>
-            <a:pPr lvl="1"/>
-            <a:r>
-              <a:rPr lang="en-US" dirty="0"/>
-              <a:t>Pull</a:t>
-            </a:r>
-          </a:p>
-          <a:p>
-            <a:r>
-              <a:rPr lang="en-US" dirty="0"/>
-              <a:t>Check out your modifications on your local repository</a:t>
-            </a:r>
-          </a:p>
-          <a:p>
-            <a:pPr marL="0" indent="0">
-              <a:buNone/>
-            </a:pPr>
-            <a:endParaRPr lang="en-US" dirty="0"/>
-          </a:p>
-        </p:txBody>
-      </p:sp>
-      <p:sp>
-        <p:nvSpPr>
-          <p:cNvPr id="4" name="Rectangle 3">
-            <a:extLst>
-              <a:ext uri="{FF2B5EF4-FFF2-40B4-BE49-F238E27FC236}">
-                <a16:creationId xmlns:a16="http://schemas.microsoft.com/office/drawing/2014/main" id="{A9FBF124-DBF2-4B5D-B113-5680482BBA5E}"/>
-              </a:ext>
-            </a:extLst>
-          </p:cNvPr>
-          <p:cNvSpPr/>
-          <p:nvPr/>
-        </p:nvSpPr>
-        <p:spPr>
-          <a:xfrm>
-            <a:off x="81280" y="91440"/>
-            <a:ext cx="12029440" cy="6675120"/>
-          </a:xfrm>
-          <a:prstGeom prst="rect">
-            <a:avLst/>
-          </a:prstGeom>
-          <a:noFill/>
-          <a:ln w="19050">
-            <a:solidFill>
-              <a:schemeClr val="tx1"/>
-            </a:solidFill>
-          </a:ln>
-        </p:spPr>
-        <p:style>
-          <a:lnRef idx="2">
-            <a:schemeClr val="accent1">
-              <a:shade val="50000"/>
-            </a:schemeClr>
-          </a:lnRef>
-          <a:fillRef idx="1">
-            <a:schemeClr val="accent1"/>
-          </a:fillRef>
-          <a:effectRef idx="0">
-            <a:schemeClr val="accent1"/>
-          </a:effectRef>
-          <a:fontRef idx="minor">
-            <a:schemeClr val="lt1"/>
-          </a:fontRef>
-        </p:style>
-        <p:txBody>
-          <a:bodyPr rtlCol="0" anchor="ctr"/>
-          <a:lstStyle/>
-          <a:p>
-            <a:pPr algn="ctr"/>
-            <a:endParaRPr lang="en-US"/>
-          </a:p>
-        </p:txBody>
-      </p:sp>
-    </p:spTree>
-    <p:extLst>
-      <p:ext uri="{BB962C8B-B14F-4D97-AF65-F5344CB8AC3E}">
-        <p14:creationId xmlns:p14="http://schemas.microsoft.com/office/powerpoint/2010/main" val="1115666585"/>
-      </p:ext>
-    </p:extLst>
-  </p:cSld>
-  <p:clrMapOvr>
-    <a:masterClrMapping/>
-  </p:clrMapOvr>
-  <p:timing>
-    <p:tnLst>
-      <p:par>
-        <p:cTn id="1" dur="indefinite" restart="never" nodeType="tmRoot">
-          <p:childTnLst>
-            <p:seq concurrent="1" nextAc="seek">
-              <p:cTn id="2" dur="indefinite" nodeType="mainSeq">
-                <p:childTnLst>
-                  <p:par>
-                    <p:cTn id="3" fill="hold">
-                      <p:stCondLst>
-                        <p:cond delay="indefinite"/>
-                      </p:stCondLst>
-                      <p:childTnLst>
-                        <p:par>
-                          <p:cTn id="4" fill="hold">
-                            <p:stCondLst>
-                              <p:cond delay="0"/>
-                            </p:stCondLst>
-                            <p:childTnLst>
-                              <p:par>
-                                <p:cTn id="5" presetID="10" presetClass="entr" presetSubtype="0" fill="hold" grpId="0" nodeType="clickEffect">
-                                  <p:stCondLst>
-                                    <p:cond delay="0"/>
-                                  </p:stCondLst>
-                                  <p:childTnLst>
-                                    <p:set>
-                                      <p:cBhvr>
-                                        <p:cTn id="6" dur="1" fill="hold">
-                                          <p:stCondLst>
-                                            <p:cond delay="0"/>
-                                          </p:stCondLst>
-                                        </p:cTn>
-                                        <p:tgtEl>
-                                          <p:spTgt spid="3">
-                                            <p:txEl>
-                                              <p:pRg st="0" end="0"/>
-                                            </p:txEl>
-                                          </p:spTgt>
-                                        </p:tgtEl>
-                                        <p:attrNameLst>
-                                          <p:attrName>style.visibility</p:attrName>
-                                        </p:attrNameLst>
-                                      </p:cBhvr>
-                                      <p:to>
-                                        <p:strVal val="visible"/>
-                                      </p:to>
-                                    </p:set>
-                                    <p:animEffect transition="in" filter="fade">
-                                      <p:cBhvr>
-                                        <p:cTn id="7" dur="500"/>
-                                        <p:tgtEl>
-                                          <p:spTgt spid="3">
-                                            <p:txEl>
-                                              <p:pRg st="0" end="0"/>
-                                            </p:txEl>
-                                          </p:spTgt>
-                                        </p:tgtEl>
-                                      </p:cBhvr>
-                                    </p:animEffect>
-                                  </p:childTnLst>
-                                </p:cTn>
-                              </p:par>
-                            </p:childTnLst>
-                          </p:cTn>
-                        </p:par>
-                      </p:childTnLst>
-                    </p:cTn>
-                  </p:par>
-                  <p:par>
-                    <p:cTn id="8" fill="hold">
-                      <p:stCondLst>
-                        <p:cond delay="indefinite"/>
-                      </p:stCondLst>
-                      <p:childTnLst>
-                        <p:par>
-                          <p:cTn id="9" fill="hold">
-                            <p:stCondLst>
-                              <p:cond delay="0"/>
-                            </p:stCondLst>
-                            <p:childTnLst>
-                              <p:par>
-                                <p:cTn id="10" presetID="10" presetClass="entr" presetSubtype="0" fill="hold" grpId="0" nodeType="clickEffect">
-                                  <p:stCondLst>
-                                    <p:cond delay="0"/>
-                                  </p:stCondLst>
-                                  <p:childTnLst>
-                                    <p:set>
-                                      <p:cBhvr>
-                                        <p:cTn id="11" dur="1" fill="hold">
-                                          <p:stCondLst>
-                                            <p:cond delay="0"/>
-                                          </p:stCondLst>
-                                        </p:cTn>
-                                        <p:tgtEl>
-                                          <p:spTgt spid="3">
-                                            <p:txEl>
-                                              <p:pRg st="1" end="1"/>
-                                            </p:txEl>
-                                          </p:spTgt>
-                                        </p:tgtEl>
-                                        <p:attrNameLst>
-                                          <p:attrName>style.visibility</p:attrName>
-                                        </p:attrNameLst>
-                                      </p:cBhvr>
-                                      <p:to>
-                                        <p:strVal val="visible"/>
-                                      </p:to>
-                                    </p:set>
-                                    <p:animEffect transition="in" filter="fade">
-                                      <p:cBhvr>
-                                        <p:cTn id="12" dur="500"/>
-                                        <p:tgtEl>
-                                          <p:spTgt spid="3">
-                                            <p:txEl>
-                                              <p:pRg st="1" end="1"/>
-                                            </p:txEl>
-                                          </p:spTgt>
-                                        </p:tgtEl>
-                                      </p:cBhvr>
-                                    </p:animEffect>
-                                  </p:childTnLst>
-                                </p:cTn>
-                              </p:par>
-                            </p:childTnLst>
-                          </p:cTn>
-                        </p:par>
-                      </p:childTnLst>
-                    </p:cTn>
-                  </p:par>
-                  <p:par>
-                    <p:cTn id="13" fill="hold">
-                      <p:stCondLst>
-                        <p:cond delay="indefinite"/>
-                      </p:stCondLst>
-                      <p:childTnLst>
-                        <p:par>
-                          <p:cTn id="14" fill="hold">
-                            <p:stCondLst>
-                              <p:cond delay="0"/>
-                            </p:stCondLst>
-                            <p:childTnLst>
-                              <p:par>
-                                <p:cTn id="15" presetID="10" presetClass="entr" presetSubtype="0" fill="hold" grpId="0" nodeType="clickEffect">
-                                  <p:stCondLst>
-                                    <p:cond delay="0"/>
-                                  </p:stCondLst>
-                                  <p:childTnLst>
-                                    <p:set>
-                                      <p:cBhvr>
-                                        <p:cTn id="16" dur="1" fill="hold">
-                                          <p:stCondLst>
-                                            <p:cond delay="0"/>
-                                          </p:stCondLst>
-                                        </p:cTn>
-                                        <p:tgtEl>
-                                          <p:spTgt spid="3">
-                                            <p:txEl>
-                                              <p:pRg st="3" end="3"/>
-                                            </p:txEl>
-                                          </p:spTgt>
-                                        </p:tgtEl>
-                                        <p:attrNameLst>
-                                          <p:attrName>style.visibility</p:attrName>
-                                        </p:attrNameLst>
-                                      </p:cBhvr>
-                                      <p:to>
-                                        <p:strVal val="visible"/>
-                                      </p:to>
-                                    </p:set>
-                                    <p:animEffect transition="in" filter="fade">
-                                      <p:cBhvr>
-                                        <p:cTn id="17" dur="500"/>
-                                        <p:tgtEl>
-                                          <p:spTgt spid="3">
-                                            <p:txEl>
-                                              <p:pRg st="3" end="3"/>
-                                            </p:txEl>
-                                          </p:spTgt>
-                                        </p:tgtEl>
-                                      </p:cBhvr>
-                                    </p:animEffect>
-                                  </p:childTnLst>
-                                </p:cTn>
-                              </p:par>
-                              <p:par>
-                                <p:cTn id="18" presetID="10" presetClass="entr" presetSubtype="0" fill="hold" grpId="0" nodeType="withEffect">
-                                  <p:stCondLst>
-                                    <p:cond delay="0"/>
-                                  </p:stCondLst>
-                                  <p:childTnLst>
-                                    <p:set>
-                                      <p:cBhvr>
-                                        <p:cTn id="19" dur="1" fill="hold">
-                                          <p:stCondLst>
-                                            <p:cond delay="0"/>
-                                          </p:stCondLst>
-                                        </p:cTn>
-                                        <p:tgtEl>
-                                          <p:spTgt spid="3">
-                                            <p:txEl>
-                                              <p:pRg st="4" end="4"/>
-                                            </p:txEl>
-                                          </p:spTgt>
-                                        </p:tgtEl>
-                                        <p:attrNameLst>
-                                          <p:attrName>style.visibility</p:attrName>
-                                        </p:attrNameLst>
-                                      </p:cBhvr>
-                                      <p:to>
-                                        <p:strVal val="visible"/>
-                                      </p:to>
-                                    </p:set>
-                                    <p:animEffect transition="in" filter="fade">
-                                      <p:cBhvr>
-                                        <p:cTn id="20" dur="500"/>
-                                        <p:tgtEl>
-                                          <p:spTgt spid="3">
-                                            <p:txEl>
-                                              <p:pRg st="4" end="4"/>
-                                            </p:txEl>
-                                          </p:spTgt>
-                                        </p:tgtEl>
-                                      </p:cBhvr>
-                                    </p:animEffect>
-                                  </p:childTnLst>
-                                </p:cTn>
-                              </p:par>
-                            </p:childTnLst>
-                          </p:cTn>
-                        </p:par>
-                      </p:childTnLst>
-                    </p:cTn>
-                  </p:par>
-                  <p:par>
-                    <p:cTn id="21" fill="hold">
-                      <p:stCondLst>
-                        <p:cond delay="indefinite"/>
-                      </p:stCondLst>
-                      <p:childTnLst>
-                        <p:par>
-                          <p:cTn id="22" fill="hold">
-                            <p:stCondLst>
-                              <p:cond delay="0"/>
-                            </p:stCondLst>
-                            <p:childTnLst>
-                              <p:par>
-                                <p:cTn id="23" presetID="10" presetClass="entr" presetSubtype="0" fill="hold" grpId="0" nodeType="clickEffect">
-                                  <p:stCondLst>
-                                    <p:cond delay="0"/>
-                                  </p:stCondLst>
-                                  <p:childTnLst>
-                                    <p:set>
-                                      <p:cBhvr>
-                                        <p:cTn id="24" dur="1" fill="hold">
-                                          <p:stCondLst>
-                                            <p:cond delay="0"/>
-                                          </p:stCondLst>
-                                        </p:cTn>
-                                        <p:tgtEl>
-                                          <p:spTgt spid="3">
-                                            <p:txEl>
-                                              <p:pRg st="5" end="5"/>
-                                            </p:txEl>
-                                          </p:spTgt>
-                                        </p:tgtEl>
-                                        <p:attrNameLst>
-                                          <p:attrName>style.visibility</p:attrName>
-                                        </p:attrNameLst>
-                                      </p:cBhvr>
-                                      <p:to>
-                                        <p:strVal val="visible"/>
-                                      </p:to>
-                                    </p:set>
-                                    <p:animEffect transition="in" filter="fade">
-                                      <p:cBhvr>
-                                        <p:cTn id="25" dur="500"/>
-                                        <p:tgtEl>
-                                          <p:spTgt spid="3">
-                                            <p:txEl>
-                                              <p:pRg st="5" end="5"/>
-                                            </p:txEl>
-                                          </p:spTgt>
-                                        </p:tgtEl>
-                                      </p:cBhvr>
-                                    </p:animEffect>
-                                  </p:childTnLst>
-                                </p:cTn>
-                              </p:par>
-                            </p:childTnLst>
-                          </p:cTn>
-                        </p:par>
-                      </p:childTnLst>
-                    </p:cTn>
-                  </p:par>
-                </p:childTnLst>
-              </p:cTn>
-              <p:prevCondLst>
-                <p:cond evt="onPrev" delay="0">
-                  <p:tgtEl>
-                    <p:sldTgt/>
-                  </p:tgtEl>
-                </p:cond>
-              </p:prevCondLst>
-              <p:nextCondLst>
-                <p:cond evt="onNext" delay="0">
-                  <p:tgtEl>
-                    <p:sldTgt/>
-                  </p:tgtEl>
-                </p:cond>
-              </p:nextCondLst>
-            </p:seq>
-          </p:childTnLst>
-        </p:cTn>
-      </p:par>
-    </p:tnLst>
-    <p:bldLst>
-      <p:bldP spid="3" grpId="0" build="p"/>
-    </p:bldLst>
-  </p:timing>
-</p:sld>
-</file>
-
-<file path=ppt/slides/slide15.xml><?xml version="1.0" encoding="utf-8"?>
-<p:sld xmlns:a="http://schemas.openxmlformats.org/drawingml/2006/main" xmlns:r="http://schemas.openxmlformats.org/officeDocument/2006/relationships" xmlns:p="http://schemas.openxmlformats.org/presentationml/2006/main">
-  <p:cSld>
-    <p:spTree>
-      <p:nvGrpSpPr>
-        <p:cNvPr id="1" name=""/>
-        <p:cNvGrpSpPr/>
-        <p:nvPr/>
-      </p:nvGrpSpPr>
-      <p:grpSpPr>
-        <a:xfrm>
-          <a:off x="0" y="0"/>
-          <a:ext cx="0" cy="0"/>
-          <a:chOff x="0" y="0"/>
-          <a:chExt cx="0" cy="0"/>
-        </a:xfrm>
-      </p:grpSpPr>
-      <p:sp>
-        <p:nvSpPr>
-          <p:cNvPr id="2" name="Title 1">
-            <a:extLst>
-              <a:ext uri="{FF2B5EF4-FFF2-40B4-BE49-F238E27FC236}">
                 <a16:creationId xmlns:a16="http://schemas.microsoft.com/office/drawing/2014/main" id="{C6B6D29C-BD0C-4AEF-9903-3BA95960956B}"/>
               </a:ext>
             </a:extLst>
@@ -8697,7 +8534,7 @@
             <a:r>
               <a:rPr lang="en-US" dirty="0">
                 <a:solidFill>
-                  <a:srgbClr val="008000"/>
+                  <a:srgbClr val="007A58"/>
                 </a:solidFill>
               </a:rPr>
               <a:t>Go to Sublime Merge:</a:t>
@@ -8708,7 +8545,7 @@
             <a:r>
               <a:rPr lang="en-US" dirty="0">
                 <a:solidFill>
-                  <a:srgbClr val="008000"/>
+                  <a:srgbClr val="007A58"/>
                 </a:solidFill>
               </a:rPr>
               <a:t>Pull </a:t>
@@ -8719,7 +8556,7 @@
             <a:r>
               <a:rPr lang="en-US" dirty="0">
                 <a:solidFill>
-                  <a:srgbClr val="008000"/>
+                  <a:srgbClr val="007A58"/>
                 </a:solidFill>
               </a:rPr>
               <a:t>CONFLICT!!!</a:t>
@@ -8730,7 +8567,7 @@
             <a:r>
               <a:rPr lang="en-US" dirty="0">
                 <a:solidFill>
-                  <a:srgbClr val="008000"/>
+                  <a:srgbClr val="007A58"/>
                 </a:solidFill>
               </a:rPr>
               <a:t>Resolve </a:t>
@@ -8738,7 +8575,7 @@
             <a:r>
               <a:rPr lang="en-US" dirty="0">
                 <a:solidFill>
-                  <a:srgbClr val="008000"/>
+                  <a:srgbClr val="007A58"/>
                 </a:solidFill>
                 <a:sym typeface="Wingdings" panose="05000000000000000000" pitchFamily="2" charset="2"/>
               </a:rPr>
@@ -8750,7 +8587,7 @@
             <a:r>
               <a:rPr lang="en-US" dirty="0">
                 <a:solidFill>
-                  <a:srgbClr val="008000"/>
+                  <a:srgbClr val="007A58"/>
                 </a:solidFill>
                 <a:sym typeface="Wingdings" panose="05000000000000000000" pitchFamily="2" charset="2"/>
               </a:rPr>
@@ -8758,48 +8595,12 @@
             </a:r>
             <a:endParaRPr lang="en-US" dirty="0">
               <a:solidFill>
-                <a:srgbClr val="008000"/>
+                <a:srgbClr val="007A58"/>
               </a:solidFill>
             </a:endParaRPr>
           </a:p>
         </p:txBody>
       </p:sp>
-      <p:pic>
-        <p:nvPicPr>
-          <p:cNvPr id="5" name="Picture 4">
-            <a:extLst>
-              <a:ext uri="{FF2B5EF4-FFF2-40B4-BE49-F238E27FC236}">
-                <a16:creationId xmlns:a16="http://schemas.microsoft.com/office/drawing/2014/main" id="{FF0C0A73-6307-4275-8429-D0358505AE06}"/>
-              </a:ext>
-            </a:extLst>
-          </p:cNvPr>
-          <p:cNvPicPr>
-            <a:picLocks noChangeAspect="1"/>
-          </p:cNvPicPr>
-          <p:nvPr/>
-        </p:nvPicPr>
-        <p:blipFill>
-          <a:blip r:embed="rId2">
-            <a:extLst>
-              <a:ext uri="{28A0092B-C50C-407E-A947-70E740481C1C}">
-                <a14:useLocalDpi xmlns:a14="http://schemas.microsoft.com/office/drawing/2010/main" val="0"/>
-              </a:ext>
-            </a:extLst>
-          </a:blip>
-          <a:stretch>
-            <a:fillRect/>
-          </a:stretch>
-        </p:blipFill>
-        <p:spPr>
-          <a:xfrm>
-            <a:off x="6985590" y="4271052"/>
-            <a:ext cx="3259765" cy="1905911"/>
-          </a:xfrm>
-          <a:prstGeom prst="rect">
-            <a:avLst/>
-          </a:prstGeom>
-        </p:spPr>
-      </p:pic>
       <p:sp>
         <p:nvSpPr>
           <p:cNvPr id="6" name="TextBox 5">
@@ -8814,7 +8615,7 @@
         </p:nvSpPr>
         <p:spPr>
           <a:xfrm>
-            <a:off x="6400800" y="4572000"/>
+            <a:off x="4746151" y="5264024"/>
             <a:ext cx="1084521" cy="646331"/>
           </a:xfrm>
           <a:prstGeom prst="rect">
@@ -8853,7 +8654,7 @@
         </p:nvSpPr>
         <p:spPr>
           <a:xfrm>
-            <a:off x="10040679" y="4571999"/>
+            <a:off x="10563670" y="5183815"/>
             <a:ext cx="1084521" cy="646331"/>
           </a:xfrm>
           <a:prstGeom prst="rect">
@@ -8930,6 +8731,129 @@
           </a:p>
         </p:txBody>
       </p:sp>
+      <p:pic>
+        <p:nvPicPr>
+          <p:cNvPr id="10" name="Picture 9" descr="A picture containing diagram&#10;&#10;Description automatically generated">
+            <a:extLst>
+              <a:ext uri="{FF2B5EF4-FFF2-40B4-BE49-F238E27FC236}">
+                <a16:creationId xmlns:a16="http://schemas.microsoft.com/office/drawing/2014/main" id="{156DF299-E55A-4FA5-9F1C-8F0AF2DE0ECE}"/>
+              </a:ext>
+            </a:extLst>
+          </p:cNvPr>
+          <p:cNvPicPr>
+            <a:picLocks noChangeAspect="1"/>
+          </p:cNvPicPr>
+          <p:nvPr/>
+        </p:nvPicPr>
+        <p:blipFill>
+          <a:blip r:embed="rId2">
+            <a:duotone>
+              <a:schemeClr val="accent5">
+                <a:shade val="45000"/>
+                <a:satMod val="135000"/>
+              </a:schemeClr>
+              <a:prstClr val="white"/>
+            </a:duotone>
+            <a:extLst>
+              <a:ext uri="{28A0092B-C50C-407E-A947-70E740481C1C}">
+                <a14:useLocalDpi xmlns:a14="http://schemas.microsoft.com/office/drawing/2010/main" val="0"/>
+              </a:ext>
+            </a:extLst>
+          </a:blip>
+          <a:stretch>
+            <a:fillRect/>
+          </a:stretch>
+        </p:blipFill>
+        <p:spPr>
+          <a:xfrm>
+            <a:off x="5615881" y="4681506"/>
+            <a:ext cx="1808915" cy="1811369"/>
+          </a:xfrm>
+          <a:prstGeom prst="rect">
+            <a:avLst/>
+          </a:prstGeom>
+        </p:spPr>
+      </p:pic>
+      <p:pic>
+        <p:nvPicPr>
+          <p:cNvPr id="12" name="Picture 11">
+            <a:extLst>
+              <a:ext uri="{FF2B5EF4-FFF2-40B4-BE49-F238E27FC236}">
+                <a16:creationId xmlns:a16="http://schemas.microsoft.com/office/drawing/2014/main" id="{D5F203FD-5A21-4240-BA1F-6700D2D833CD}"/>
+              </a:ext>
+            </a:extLst>
+          </p:cNvPr>
+          <p:cNvPicPr>
+            <a:picLocks noChangeAspect="1"/>
+          </p:cNvPicPr>
+          <p:nvPr/>
+        </p:nvPicPr>
+        <p:blipFill rotWithShape="1">
+          <a:blip r:embed="rId3">
+            <a:duotone>
+              <a:schemeClr val="accent1">
+                <a:shade val="45000"/>
+                <a:satMod val="135000"/>
+              </a:schemeClr>
+              <a:prstClr val="white"/>
+            </a:duotone>
+          </a:blip>
+          <a:srcRect t="2667"/>
+          <a:stretch/>
+        </p:blipFill>
+        <p:spPr>
+          <a:xfrm>
+            <a:off x="8430502" y="2796566"/>
+            <a:ext cx="1567764" cy="1327068"/>
+          </a:xfrm>
+          <a:prstGeom prst="rect">
+            <a:avLst/>
+          </a:prstGeom>
+        </p:spPr>
+      </p:pic>
+      <p:pic>
+        <p:nvPicPr>
+          <p:cNvPr id="16" name="Picture 15" descr="Shape&#10;&#10;Description automatically generated with medium confidence">
+            <a:extLst>
+              <a:ext uri="{FF2B5EF4-FFF2-40B4-BE49-F238E27FC236}">
+                <a16:creationId xmlns:a16="http://schemas.microsoft.com/office/drawing/2014/main" id="{F13D9AB9-8C47-4DF2-A319-E41434B1115B}"/>
+              </a:ext>
+            </a:extLst>
+          </p:cNvPr>
+          <p:cNvPicPr>
+            <a:picLocks noChangeAspect="1"/>
+          </p:cNvPicPr>
+          <p:nvPr/>
+        </p:nvPicPr>
+        <p:blipFill>
+          <a:blip r:embed="rId4">
+            <a:duotone>
+              <a:schemeClr val="accent4">
+                <a:shade val="45000"/>
+                <a:satMod val="135000"/>
+              </a:schemeClr>
+              <a:prstClr val="white"/>
+            </a:duotone>
+            <a:extLst>
+              <a:ext uri="{28A0092B-C50C-407E-A947-70E740481C1C}">
+                <a14:useLocalDpi xmlns:a14="http://schemas.microsoft.com/office/drawing/2010/main" val="0"/>
+              </a:ext>
+            </a:extLst>
+          </a:blip>
+          <a:stretch>
+            <a:fillRect/>
+          </a:stretch>
+        </p:blipFill>
+        <p:spPr>
+          <a:xfrm flipH="1">
+            <a:off x="8953056" y="4564376"/>
+            <a:ext cx="1531014" cy="1885210"/>
+          </a:xfrm>
+          <a:prstGeom prst="rect">
+            <a:avLst/>
+          </a:prstGeom>
+        </p:spPr>
+      </p:pic>
     </p:spTree>
     <p:extLst>
       <p:ext uri="{BB962C8B-B14F-4D97-AF65-F5344CB8AC3E}">
@@ -8961,7 +8885,7 @@
                             </p:stCondLst>
                             <p:childTnLst>
                               <p:par>
-                                <p:cTn id="5" presetID="10" presetClass="entr" presetSubtype="0" fill="hold" grpId="0" nodeType="clickEffect">
+                                <p:cTn id="5" presetID="10" presetClass="entr" presetSubtype="0" fill="hold" nodeType="clickEffect">
                                   <p:stCondLst>
                                     <p:cond delay="0"/>
                                   </p:stCondLst>
@@ -8995,6 +8919,92 @@
                                           <p:spTgt spid="3">
                                             <p:txEl>
                                               <p:pRg st="0" end="0"/>
+                                            </p:txEl>
+                                          </p:spTgt>
+                                        </p:tgtEl>
+                                      </p:cBhvr>
+                                    </p:animEffect>
+                                  </p:childTnLst>
+                                </p:cTn>
+                              </p:par>
+                              <p:par>
+                                <p:cTn id="8" presetID="10" presetClass="entr" presetSubtype="0" fill="hold" nodeType="withEffect">
+                                  <p:stCondLst>
+                                    <p:cond delay="0"/>
+                                  </p:stCondLst>
+                                  <p:childTnLst>
+                                    <p:set>
+                                      <p:cBhvr>
+                                        <p:cTn id="9" dur="1" fill="hold">
+                                          <p:stCondLst>
+                                            <p:cond delay="0"/>
+                                          </p:stCondLst>
+                                        </p:cTn>
+                                        <p:tgtEl>
+                                          <p:spTgt spid="3">
+                                            <p:txEl>
+                                              <p:pRg st="1" end="1"/>
+                                            </p:txEl>
+                                          </p:spTgt>
+                                        </p:tgtEl>
+                                        <p:attrNameLst>
+                                          <p:attrName>style.visibility</p:attrName>
+                                        </p:attrNameLst>
+                                      </p:cBhvr>
+                                      <p:to>
+                                        <p:strVal val="visible"/>
+                                      </p:to>
+                                    </p:set>
+                                    <p:animEffect transition="in" filter="fade">
+                                      <p:cBhvr>
+                                        <p:cTn id="10" dur="500"/>
+                                        <p:tgtEl>
+                                          <p:spTgt spid="3">
+                                            <p:txEl>
+                                              <p:pRg st="1" end="1"/>
+                                            </p:txEl>
+                                          </p:spTgt>
+                                        </p:tgtEl>
+                                      </p:cBhvr>
+                                    </p:animEffect>
+                                  </p:childTnLst>
+                                </p:cTn>
+                              </p:par>
+                              <p:par>
+                                <p:cTn id="11" presetID="10" presetClass="entr" presetSubtype="0" fill="hold" nodeType="withEffect">
+                                  <p:stCondLst>
+                                    <p:cond delay="0"/>
+                                  </p:stCondLst>
+                                  <p:childTnLst>
+                                    <p:set>
+                                      <p:cBhvr>
+                                        <p:cTn id="12" dur="1" fill="hold">
+                                          <p:stCondLst>
+                                            <p:cond delay="0"/>
+                                          </p:stCondLst>
+                                        </p:cTn>
+                                        <p:tgtEl>
+                                          <p:spTgt spid="3">
+                                            <p:txEl>
+                                              <p:pRg st="2" end="2"/>
+                                            </p:txEl>
+                                          </p:spTgt>
+                                        </p:tgtEl>
+                                        <p:attrNameLst>
+                                          <p:attrName>style.visibility</p:attrName>
+                                        </p:attrNameLst>
+                                      </p:cBhvr>
+                                      <p:to>
+                                        <p:strVal val="visible"/>
+                                      </p:to>
+                                    </p:set>
+                                    <p:animEffect transition="in" filter="fade">
+                                      <p:cBhvr>
+                                        <p:cTn id="13" dur="500"/>
+                                        <p:tgtEl>
+                                          <p:spTgt spid="3">
+                                            <p:txEl>
+                                              <p:pRg st="2" end="2"/>
                                             </p:txEl>
                                           </p:spTgt>
                                         </p:tgtEl>
@@ -9010,36 +9020,32 @@
                     </p:cTn>
                   </p:par>
                   <p:par>
-                    <p:cTn id="8" fill="hold">
+                    <p:cTn id="14" fill="hold">
                       <p:stCondLst>
                         <p:cond delay="indefinite"/>
                       </p:stCondLst>
                       <p:childTnLst>
                         <p:par>
-                          <p:cTn id="9" fill="hold">
+                          <p:cTn id="15" fill="hold">
                             <p:stCondLst>
                               <p:cond delay="0"/>
                             </p:stCondLst>
                             <p:childTnLst>
                               <p:par>
-                                <p:cTn id="10" presetID="10" presetClass="entr" presetSubtype="0" fill="hold" grpId="0" nodeType="clickEffect">
+                                <p:cTn id="16" presetID="10" presetClass="entr" presetSubtype="0" fill="hold" nodeType="clickEffect">
                                   <p:stCondLst>
                                     <p:cond delay="0"/>
                                   </p:stCondLst>
                                   <p:childTnLst>
                                     <p:set>
                                       <p:cBhvr>
-                                        <p:cTn id="11" dur="1" fill="hold">
+                                        <p:cTn id="17" dur="1" fill="hold">
                                           <p:stCondLst>
                                             <p:cond delay="0"/>
                                           </p:stCondLst>
                                         </p:cTn>
                                         <p:tgtEl>
-                                          <p:spTgt spid="3">
-                                            <p:txEl>
-                                              <p:pRg st="1" end="1"/>
-                                            </p:txEl>
-                                          </p:spTgt>
+                                          <p:spTgt spid="10"/>
                                         </p:tgtEl>
                                         <p:attrNameLst>
                                           <p:attrName>style.visibility</p:attrName>
@@ -9051,56 +9057,9 @@
                                     </p:set>
                                     <p:animEffect transition="in" filter="fade">
                                       <p:cBhvr>
-                                        <p:cTn id="12" dur="500"/>
-                                        <p:tgtEl>
-                                          <p:spTgt spid="3">
-                                            <p:txEl>
-                                              <p:pRg st="1" end="1"/>
-                                            </p:txEl>
-                                          </p:spTgt>
-                                        </p:tgtEl>
-                                      </p:cBhvr>
-                                    </p:animEffect>
-                                  </p:childTnLst>
-                                </p:cTn>
-                              </p:par>
-                              <p:par>
-                                <p:cTn id="13" presetID="10" presetClass="entr" presetSubtype="0" fill="hold" grpId="0" nodeType="withEffect">
-                                  <p:stCondLst>
-                                    <p:cond delay="0"/>
-                                  </p:stCondLst>
-                                  <p:childTnLst>
-                                    <p:set>
-                                      <p:cBhvr>
-                                        <p:cTn id="14" dur="1" fill="hold">
-                                          <p:stCondLst>
-                                            <p:cond delay="0"/>
-                                          </p:stCondLst>
-                                        </p:cTn>
-                                        <p:tgtEl>
-                                          <p:spTgt spid="3">
-                                            <p:txEl>
-                                              <p:pRg st="2" end="2"/>
-                                            </p:txEl>
-                                          </p:spTgt>
-                                        </p:tgtEl>
-                                        <p:attrNameLst>
-                                          <p:attrName>style.visibility</p:attrName>
-                                        </p:attrNameLst>
-                                      </p:cBhvr>
-                                      <p:to>
-                                        <p:strVal val="visible"/>
-                                      </p:to>
-                                    </p:set>
-                                    <p:animEffect transition="in" filter="fade">
-                                      <p:cBhvr>
-                                        <p:cTn id="15" dur="500"/>
-                                        <p:tgtEl>
-                                          <p:spTgt spid="3">
-                                            <p:txEl>
-                                              <p:pRg st="2" end="2"/>
-                                            </p:txEl>
-                                          </p:spTgt>
+                                        <p:cTn id="18" dur="500"/>
+                                        <p:tgtEl>
+                                          <p:spTgt spid="10"/>
                                         </p:tgtEl>
                                       </p:cBhvr>
                                     </p:animEffect>
@@ -9114,36 +9073,32 @@
                     </p:cTn>
                   </p:par>
                   <p:par>
-                    <p:cTn id="16" fill="hold">
+                    <p:cTn id="19" fill="hold">
                       <p:stCondLst>
                         <p:cond delay="indefinite"/>
                       </p:stCondLst>
                       <p:childTnLst>
                         <p:par>
-                          <p:cTn id="17" fill="hold">
+                          <p:cTn id="20" fill="hold">
                             <p:stCondLst>
                               <p:cond delay="0"/>
                             </p:stCondLst>
                             <p:childTnLst>
                               <p:par>
-                                <p:cTn id="18" presetID="10" presetClass="entr" presetSubtype="0" fill="hold" grpId="0" nodeType="clickEffect">
+                                <p:cTn id="21" presetID="10" presetClass="entr" presetSubtype="0" fill="hold" grpId="0" nodeType="clickEffect">
                                   <p:stCondLst>
                                     <p:cond delay="0"/>
                                   </p:stCondLst>
                                   <p:childTnLst>
                                     <p:set>
                                       <p:cBhvr>
-                                        <p:cTn id="19" dur="1" fill="hold">
+                                        <p:cTn id="22" dur="1" fill="hold">
                                           <p:stCondLst>
                                             <p:cond delay="0"/>
                                           </p:stCondLst>
                                         </p:cTn>
                                         <p:tgtEl>
-                                          <p:spTgt spid="3">
-                                            <p:txEl>
-                                              <p:pRg st="4" end="4"/>
-                                            </p:txEl>
-                                          </p:spTgt>
+                                          <p:spTgt spid="6"/>
                                         </p:tgtEl>
                                         <p:attrNameLst>
                                           <p:attrName>style.visibility</p:attrName>
@@ -9155,99 +9110,9 @@
                                     </p:set>
                                     <p:animEffect transition="in" filter="fade">
                                       <p:cBhvr>
-                                        <p:cTn id="20" dur="500"/>
-                                        <p:tgtEl>
-                                          <p:spTgt spid="3">
-                                            <p:txEl>
-                                              <p:pRg st="4" end="4"/>
-                                            </p:txEl>
-                                          </p:spTgt>
-                                        </p:tgtEl>
-                                      </p:cBhvr>
-                                    </p:animEffect>
-                                  </p:childTnLst>
-                                </p:cTn>
-                              </p:par>
-                              <p:par>
-                                <p:cTn id="21" presetID="10" presetClass="entr" presetSubtype="0" fill="hold" grpId="0" nodeType="withEffect">
-                                  <p:stCondLst>
-                                    <p:cond delay="0"/>
-                                  </p:stCondLst>
-                                  <p:childTnLst>
-                                    <p:set>
-                                      <p:cBhvr>
-                                        <p:cTn id="22" dur="1" fill="hold">
-                                          <p:stCondLst>
-                                            <p:cond delay="0"/>
-                                          </p:stCondLst>
-                                        </p:cTn>
-                                        <p:tgtEl>
-                                          <p:spTgt spid="3">
-                                            <p:txEl>
-                                              <p:pRg st="5" end="5"/>
-                                            </p:txEl>
-                                          </p:spTgt>
-                                        </p:tgtEl>
-                                        <p:attrNameLst>
-                                          <p:attrName>style.visibility</p:attrName>
-                                        </p:attrNameLst>
-                                      </p:cBhvr>
-                                      <p:to>
-                                        <p:strVal val="visible"/>
-                                      </p:to>
-                                    </p:set>
-                                    <p:animEffect transition="in" filter="fade">
-                                      <p:cBhvr>
                                         <p:cTn id="23" dur="500"/>
                                         <p:tgtEl>
-                                          <p:spTgt spid="3">
-                                            <p:txEl>
-                                              <p:pRg st="5" end="5"/>
-                                            </p:txEl>
-                                          </p:spTgt>
-                                        </p:tgtEl>
-                                      </p:cBhvr>
-                                    </p:animEffect>
-                                  </p:childTnLst>
-                                </p:cTn>
-                              </p:par>
-                              <p:par>
-                                <p:cTn id="24" presetID="10" presetClass="entr" presetSubtype="0" fill="hold" grpId="0" nodeType="withEffect">
-                                  <p:stCondLst>
-                                    <p:cond delay="0"/>
-                                  </p:stCondLst>
-                                  <p:childTnLst>
-                                    <p:set>
-                                      <p:cBhvr>
-                                        <p:cTn id="25" dur="1" fill="hold">
-                                          <p:stCondLst>
-                                            <p:cond delay="0"/>
-                                          </p:stCondLst>
-                                        </p:cTn>
-                                        <p:tgtEl>
-                                          <p:spTgt spid="3">
-                                            <p:txEl>
-                                              <p:pRg st="6" end="6"/>
-                                            </p:txEl>
-                                          </p:spTgt>
-                                        </p:tgtEl>
-                                        <p:attrNameLst>
-                                          <p:attrName>style.visibility</p:attrName>
-                                        </p:attrNameLst>
-                                      </p:cBhvr>
-                                      <p:to>
-                                        <p:strVal val="visible"/>
-                                      </p:to>
-                                    </p:set>
-                                    <p:animEffect transition="in" filter="fade">
-                                      <p:cBhvr>
-                                        <p:cTn id="26" dur="500"/>
-                                        <p:tgtEl>
-                                          <p:spTgt spid="3">
-                                            <p:txEl>
-                                              <p:pRg st="6" end="6"/>
-                                            </p:txEl>
-                                          </p:spTgt>
+                                          <p:spTgt spid="6"/>
                                         </p:tgtEl>
                                       </p:cBhvr>
                                     </p:animEffect>
@@ -9261,25 +9126,68 @@
                     </p:cTn>
                   </p:par>
                   <p:par>
-                    <p:cTn id="27" fill="hold">
+                    <p:cTn id="24" fill="hold">
                       <p:stCondLst>
                         <p:cond delay="indefinite"/>
                       </p:stCondLst>
                       <p:childTnLst>
                         <p:par>
-                          <p:cTn id="28" fill="hold">
+                          <p:cTn id="25" fill="hold">
                             <p:stCondLst>
                               <p:cond delay="0"/>
                             </p:stCondLst>
                             <p:childTnLst>
                               <p:par>
-                                <p:cTn id="29" presetID="10" presetClass="entr" presetSubtype="0" fill="hold" grpId="0" nodeType="clickEffect">
+                                <p:cTn id="26" presetID="10" presetClass="entr" presetSubtype="0" fill="hold" nodeType="clickEffect">
                                   <p:stCondLst>
                                     <p:cond delay="0"/>
                                   </p:stCondLst>
                                   <p:childTnLst>
                                     <p:set>
                                       <p:cBhvr>
+                                        <p:cTn id="27" dur="1" fill="hold">
+                                          <p:stCondLst>
+                                            <p:cond delay="0"/>
+                                          </p:stCondLst>
+                                        </p:cTn>
+                                        <p:tgtEl>
+                                          <p:spTgt spid="3">
+                                            <p:txEl>
+                                              <p:pRg st="4" end="4"/>
+                                            </p:txEl>
+                                          </p:spTgt>
+                                        </p:tgtEl>
+                                        <p:attrNameLst>
+                                          <p:attrName>style.visibility</p:attrName>
+                                        </p:attrNameLst>
+                                      </p:cBhvr>
+                                      <p:to>
+                                        <p:strVal val="visible"/>
+                                      </p:to>
+                                    </p:set>
+                                    <p:animEffect transition="in" filter="fade">
+                                      <p:cBhvr>
+                                        <p:cTn id="28" dur="500"/>
+                                        <p:tgtEl>
+                                          <p:spTgt spid="3">
+                                            <p:txEl>
+                                              <p:pRg st="4" end="4"/>
+                                            </p:txEl>
+                                          </p:spTgt>
+                                        </p:tgtEl>
+                                      </p:cBhvr>
+                                    </p:animEffect>
+                                  </p:childTnLst>
+                                </p:cTn>
+                              </p:par>
+                              <p:par>
+                                <p:cTn id="29" presetID="10" presetClass="entr" presetSubtype="0" fill="hold" nodeType="withEffect">
+                                  <p:stCondLst>
+                                    <p:cond delay="0"/>
+                                  </p:stCondLst>
+                                  <p:childTnLst>
+                                    <p:set>
+                                      <p:cBhvr>
                                         <p:cTn id="30" dur="1" fill="hold">
                                           <p:stCondLst>
                                             <p:cond delay="0"/>
@@ -9288,7 +9196,7 @@
                                         <p:tgtEl>
                                           <p:spTgt spid="3">
                                             <p:txEl>
-                                              <p:pRg st="9" end="9"/>
+                                              <p:pRg st="5" end="5"/>
                                             </p:txEl>
                                           </p:spTgt>
                                         </p:tgtEl>
@@ -9306,7 +9214,7 @@
                                         <p:tgtEl>
                                           <p:spTgt spid="3">
                                             <p:txEl>
-                                              <p:pRg st="9" end="9"/>
+                                              <p:pRg st="5" end="5"/>
                                             </p:txEl>
                                           </p:spTgt>
                                         </p:tgtEl>
@@ -9316,7 +9224,7 @@
                                 </p:cTn>
                               </p:par>
                               <p:par>
-                                <p:cTn id="32" presetID="10" presetClass="entr" presetSubtype="0" fill="hold" grpId="0" nodeType="withEffect">
+                                <p:cTn id="32" presetID="10" presetClass="entr" presetSubtype="0" fill="hold" nodeType="withEffect">
                                   <p:stCondLst>
                                     <p:cond delay="0"/>
                                   </p:stCondLst>
@@ -9331,7 +9239,7 @@
                                         <p:tgtEl>
                                           <p:spTgt spid="3">
                                             <p:txEl>
-                                              <p:pRg st="10" end="10"/>
+                                              <p:pRg st="6" end="6"/>
                                             </p:txEl>
                                           </p:spTgt>
                                         </p:tgtEl>
@@ -9349,7 +9257,174 @@
                                         <p:tgtEl>
                                           <p:spTgt spid="3">
                                             <p:txEl>
-                                              <p:pRg st="10" end="10"/>
+                                              <p:pRg st="6" end="6"/>
+                                            </p:txEl>
+                                          </p:spTgt>
+                                        </p:tgtEl>
+                                      </p:cBhvr>
+                                    </p:animEffect>
+                                  </p:childTnLst>
+                                </p:cTn>
+                              </p:par>
+                            </p:childTnLst>
+                          </p:cTn>
+                        </p:par>
+                      </p:childTnLst>
+                    </p:cTn>
+                  </p:par>
+                  <p:par>
+                    <p:cTn id="35" fill="hold">
+                      <p:stCondLst>
+                        <p:cond delay="indefinite"/>
+                      </p:stCondLst>
+                      <p:childTnLst>
+                        <p:par>
+                          <p:cTn id="36" fill="hold">
+                            <p:stCondLst>
+                              <p:cond delay="0"/>
+                            </p:stCondLst>
+                            <p:childTnLst>
+                              <p:par>
+                                <p:cTn id="37" presetID="10" presetClass="entr" presetSubtype="0" fill="hold" nodeType="clickEffect">
+                                  <p:stCondLst>
+                                    <p:cond delay="0"/>
+                                  </p:stCondLst>
+                                  <p:childTnLst>
+                                    <p:set>
+                                      <p:cBhvr>
+                                        <p:cTn id="38" dur="1" fill="hold">
+                                          <p:stCondLst>
+                                            <p:cond delay="0"/>
+                                          </p:stCondLst>
+                                        </p:cTn>
+                                        <p:tgtEl>
+                                          <p:spTgt spid="16"/>
+                                        </p:tgtEl>
+                                        <p:attrNameLst>
+                                          <p:attrName>style.visibility</p:attrName>
+                                        </p:attrNameLst>
+                                      </p:cBhvr>
+                                      <p:to>
+                                        <p:strVal val="visible"/>
+                                      </p:to>
+                                    </p:set>
+                                    <p:animEffect transition="in" filter="fade">
+                                      <p:cBhvr>
+                                        <p:cTn id="39" dur="500"/>
+                                        <p:tgtEl>
+                                          <p:spTgt spid="16"/>
+                                        </p:tgtEl>
+                                      </p:cBhvr>
+                                    </p:animEffect>
+                                  </p:childTnLst>
+                                </p:cTn>
+                              </p:par>
+                            </p:childTnLst>
+                          </p:cTn>
+                        </p:par>
+                      </p:childTnLst>
+                    </p:cTn>
+                  </p:par>
+                  <p:par>
+                    <p:cTn id="40" fill="hold">
+                      <p:stCondLst>
+                        <p:cond delay="indefinite"/>
+                      </p:stCondLst>
+                      <p:childTnLst>
+                        <p:par>
+                          <p:cTn id="41" fill="hold">
+                            <p:stCondLst>
+                              <p:cond delay="0"/>
+                            </p:stCondLst>
+                            <p:childTnLst>
+                              <p:par>
+                                <p:cTn id="42" presetID="10" presetClass="entr" presetSubtype="0" fill="hold" grpId="0" nodeType="clickEffect">
+                                  <p:stCondLst>
+                                    <p:cond delay="0"/>
+                                  </p:stCondLst>
+                                  <p:childTnLst>
+                                    <p:set>
+                                      <p:cBhvr>
+                                        <p:cTn id="43" dur="1" fill="hold">
+                                          <p:stCondLst>
+                                            <p:cond delay="0"/>
+                                          </p:stCondLst>
+                                        </p:cTn>
+                                        <p:tgtEl>
+                                          <p:spTgt spid="7"/>
+                                        </p:tgtEl>
+                                        <p:attrNameLst>
+                                          <p:attrName>style.visibility</p:attrName>
+                                        </p:attrNameLst>
+                                      </p:cBhvr>
+                                      <p:to>
+                                        <p:strVal val="visible"/>
+                                      </p:to>
+                                    </p:set>
+                                    <p:animEffect transition="in" filter="fade">
+                                      <p:cBhvr>
+                                        <p:cTn id="44" dur="500"/>
+                                        <p:tgtEl>
+                                          <p:spTgt spid="7"/>
+                                        </p:tgtEl>
+                                      </p:cBhvr>
+                                    </p:animEffect>
+                                  </p:childTnLst>
+                                </p:cTn>
+                              </p:par>
+                            </p:childTnLst>
+                          </p:cTn>
+                        </p:par>
+                      </p:childTnLst>
+                    </p:cTn>
+                  </p:par>
+                  <p:par>
+                    <p:cTn id="45" fill="hold">
+                      <p:stCondLst>
+                        <p:cond delay="indefinite"/>
+                      </p:stCondLst>
+                      <p:childTnLst>
+                        <p:par>
+                          <p:cTn id="46" fill="hold">
+                            <p:stCondLst>
+                              <p:cond delay="0"/>
+                            </p:stCondLst>
+                            <p:childTnLst>
+                              <p:par>
+                                <p:cTn id="47" presetID="10" presetClass="entr" presetSubtype="0" fill="hold" nodeType="clickEffect">
+                                  <p:stCondLst>
+                                    <p:cond delay="0"/>
+                                  </p:stCondLst>
+                                  <p:childTnLst>
+                                    <p:set>
+                                      <p:cBhvr>
+                                        <p:cTn id="48" dur="1" fill="hold">
+                                          <p:stCondLst>
+                                            <p:cond delay="0"/>
+                                          </p:stCondLst>
+                                        </p:cTn>
+                                        <p:tgtEl>
+                                          <p:spTgt spid="3">
+                                            <p:txEl>
+                                              <p:pRg st="9" end="9"/>
+                                            </p:txEl>
+                                          </p:spTgt>
+                                        </p:tgtEl>
+                                        <p:attrNameLst>
+                                          <p:attrName>style.visibility</p:attrName>
+                                        </p:attrNameLst>
+                                      </p:cBhvr>
+                                      <p:to>
+                                        <p:strVal val="visible"/>
+                                      </p:to>
+                                    </p:set>
+                                    <p:animEffect transition="in" filter="fade">
+                                      <p:cBhvr>
+                                        <p:cTn id="49" dur="500"/>
+                                        <p:tgtEl>
+                                          <p:spTgt spid="3">
+                                            <p:txEl>
+                                              <p:pRg st="9" end="9"/>
                                             </p:txEl>
                                           </p:spTgt>
                                         </p:tgtEl>
@@ -9359,14 +9434,14 @@
                                 </p:cTn>
                               </p:par>
                               <p:par>
-                                <p:cTn id="35" presetID="10" presetClass="entr" presetSubtype="0" fill="hold" grpId="0" nodeType="withEffect">
+                                <p:cTn id="50" presetID="10" presetClass="entr" presetSubtype="0" fill="hold" nodeType="withEffect">
                                   <p:stCondLst>
                                     <p:cond delay="0"/>
                                   </p:stCondLst>
                                   <p:childTnLst>
                                     <p:set>
                                       <p:cBhvr>
-                                        <p:cTn id="36" dur="1" fill="hold">
+                                        <p:cTn id="51" dur="1" fill="hold">
                                           <p:stCondLst>
                                             <p:cond delay="0"/>
                                           </p:stCondLst>
@@ -9374,7 +9449,7 @@
                                         <p:tgtEl>
                                           <p:spTgt spid="3">
                                             <p:txEl>
-                                              <p:pRg st="11" end="11"/>
+                                              <p:pRg st="10" end="10"/>
                                             </p:txEl>
                                           </p:spTgt>
                                         </p:tgtEl>
@@ -9388,11 +9463,11 @@
                                     </p:set>
                                     <p:animEffect transition="in" filter="fade">
                                       <p:cBhvr>
-                                        <p:cTn id="37" dur="500"/>
-                                        <p:tgtEl>
-                                          <p:spTgt spid="3">
-                                            <p:txEl>
-                                              <p:pRg st="11" end="11"/>
+                                        <p:cTn id="52" dur="500"/>
+                                        <p:tgtEl>
+                                          <p:spTgt spid="3">
+                                            <p:txEl>
+                                              <p:pRg st="10" end="10"/>
                                             </p:txEl>
                                           </p:spTgt>
                                         </p:tgtEl>
@@ -9402,14 +9477,14 @@
                                 </p:cTn>
                               </p:par>
                               <p:par>
-                                <p:cTn id="38" presetID="10" presetClass="entr" presetSubtype="0" fill="hold" grpId="0" nodeType="withEffect">
+                                <p:cTn id="53" presetID="10" presetClass="entr" presetSubtype="0" fill="hold" nodeType="withEffect">
                                   <p:stCondLst>
                                     <p:cond delay="0"/>
                                   </p:stCondLst>
                                   <p:childTnLst>
                                     <p:set>
                                       <p:cBhvr>
-                                        <p:cTn id="39" dur="1" fill="hold">
+                                        <p:cTn id="54" dur="1" fill="hold">
                                           <p:stCondLst>
                                             <p:cond delay="0"/>
                                           </p:stCondLst>
@@ -9417,7 +9492,7 @@
                                         <p:tgtEl>
                                           <p:spTgt spid="3">
                                             <p:txEl>
-                                              <p:pRg st="12" end="12"/>
+                                              <p:pRg st="11" end="11"/>
                                             </p:txEl>
                                           </p:spTgt>
                                         </p:tgtEl>
@@ -9431,11 +9506,11 @@
                                     </p:set>
                                     <p:animEffect transition="in" filter="fade">
                                       <p:cBhvr>
-                                        <p:cTn id="40" dur="500"/>
-                                        <p:tgtEl>
-                                          <p:spTgt spid="3">
-                                            <p:txEl>
-                                              <p:pRg st="12" end="12"/>
+                                        <p:cTn id="55" dur="500"/>
+                                        <p:tgtEl>
+                                          <p:spTgt spid="3">
+                                            <p:txEl>
+                                              <p:pRg st="11" end="11"/>
                                             </p:txEl>
                                           </p:spTgt>
                                         </p:tgtEl>
@@ -9445,14 +9520,14 @@
                                 </p:cTn>
                               </p:par>
                               <p:par>
-                                <p:cTn id="41" presetID="10" presetClass="entr" presetSubtype="0" fill="hold" grpId="0" nodeType="withEffect">
+                                <p:cTn id="56" presetID="10" presetClass="entr" presetSubtype="0" fill="hold" nodeType="withEffect">
                                   <p:stCondLst>
                                     <p:cond delay="0"/>
                                   </p:stCondLst>
                                   <p:childTnLst>
                                     <p:set>
                                       <p:cBhvr>
-                                        <p:cTn id="42" dur="1" fill="hold">
+                                        <p:cTn id="57" dur="1" fill="hold">
                                           <p:stCondLst>
                                             <p:cond delay="0"/>
                                           </p:stCondLst>
@@ -9460,7 +9535,7 @@
                                         <p:tgtEl>
                                           <p:spTgt spid="3">
                                             <p:txEl>
-                                              <p:pRg st="13" end="13"/>
+                                              <p:pRg st="12" end="12"/>
                                             </p:txEl>
                                           </p:spTgt>
                                         </p:tgtEl>
@@ -9474,13 +9549,109 @@
                                     </p:set>
                                     <p:animEffect transition="in" filter="fade">
                                       <p:cBhvr>
-                                        <p:cTn id="43" dur="500"/>
+                                        <p:cTn id="58" dur="500"/>
+                                        <p:tgtEl>
+                                          <p:spTgt spid="3">
+                                            <p:txEl>
+                                              <p:pRg st="12" end="12"/>
+                                            </p:txEl>
+                                          </p:spTgt>
+                                        </p:tgtEl>
+                                      </p:cBhvr>
+                                    </p:animEffect>
+                                  </p:childTnLst>
+                                </p:cTn>
+                              </p:par>
+                              <p:par>
+                                <p:cTn id="59" presetID="10" presetClass="entr" presetSubtype="0" fill="hold" nodeType="withEffect">
+                                  <p:stCondLst>
+                                    <p:cond delay="0"/>
+                                  </p:stCondLst>
+                                  <p:childTnLst>
+                                    <p:set>
+                                      <p:cBhvr>
+                                        <p:cTn id="60" dur="1" fill="hold">
+                                          <p:stCondLst>
+                                            <p:cond delay="0"/>
+                                          </p:stCondLst>
+                                        </p:cTn>
                                         <p:tgtEl>
                                           <p:spTgt spid="3">
                                             <p:txEl>
                                               <p:pRg st="13" end="13"/>
                                             </p:txEl>
                                           </p:spTgt>
+                                        </p:tgtEl>
+                                        <p:attrNameLst>
+                                          <p:attrName>style.visibility</p:attrName>
+                                        </p:attrNameLst>
+                                      </p:cBhvr>
+                                      <p:to>
+                                        <p:strVal val="visible"/>
+                                      </p:to>
+                                    </p:set>
+                                    <p:animEffect transition="in" filter="fade">
+                                      <p:cBhvr>
+                                        <p:cTn id="61" dur="500"/>
+                                        <p:tgtEl>
+                                          <p:spTgt spid="3">
+                                            <p:txEl>
+                                              <p:pRg st="13" end="13"/>
+                                            </p:txEl>
+                                          </p:spTgt>
+                                        </p:tgtEl>
+                                      </p:cBhvr>
+                                    </p:animEffect>
+                                  </p:childTnLst>
+                                </p:cTn>
+                              </p:par>
+                            </p:childTnLst>
+                          </p:cTn>
+                        </p:par>
+                      </p:childTnLst>
+                    </p:cTn>
+                  </p:par>
+                  <p:par>
+                    <p:cTn id="62" fill="hold">
+                      <p:stCondLst>
+                        <p:cond delay="indefinite"/>
+                      </p:stCondLst>
+                      <p:childTnLst>
+                        <p:par>
+                          <p:cTn id="63" fill="hold">
+                            <p:stCondLst>
+                              <p:cond delay="0"/>
+                            </p:stCondLst>
+                            <p:childTnLst>
+                              <p:par>
+                                <p:cTn id="64" presetID="10" presetClass="entr" presetSubtype="0" fill="hold" nodeType="clickEffect">
+                                  <p:stCondLst>
+                                    <p:cond delay="0"/>
+                                  </p:stCondLst>
+                                  <p:childTnLst>
+                                    <p:set>
+                                      <p:cBhvr>
+                                        <p:cTn id="65" dur="1" fill="hold">
+                                          <p:stCondLst>
+                                            <p:cond delay="0"/>
+                                          </p:stCondLst>
+                                        </p:cTn>
+                                        <p:tgtEl>
+                                          <p:spTgt spid="12"/>
+                                        </p:tgtEl>
+                                        <p:attrNameLst>
+                                          <p:attrName>style.visibility</p:attrName>
+                                        </p:attrNameLst>
+                                      </p:cBhvr>
+                                      <p:to>
+                                        <p:strVal val="visible"/>
+                                      </p:to>
+                                    </p:set>
+                                    <p:animEffect transition="in" filter="fade">
+                                      <p:cBhvr>
+                                        <p:cTn id="66" dur="500"/>
+                                        <p:tgtEl>
+                                          <p:spTgt spid="12"/>
                                         </p:tgtEl>
                                       </p:cBhvr>
                                     </p:animEffect>
@@ -9515,13 +9686,14 @@
       </p:par>
     </p:tnLst>
     <p:bldLst>
-      <p:bldP spid="3" grpId="0" build="p"/>
+      <p:bldP spid="6" grpId="0"/>
+      <p:bldP spid="7" grpId="0"/>
     </p:bldLst>
   </p:timing>
 </p:sld>
 </file>
 
-<file path=ppt/slides/slide16.xml><?xml version="1.0" encoding="utf-8"?>
+<file path=ppt/slides/slide15.xml><?xml version="1.0" encoding="utf-8"?>
 <p:sld xmlns:a="http://schemas.openxmlformats.org/drawingml/2006/main" xmlns:r="http://schemas.openxmlformats.org/officeDocument/2006/relationships" xmlns:p="http://schemas.openxmlformats.org/presentationml/2006/main">
   <p:cSld>
     <p:bg>
@@ -10490,7 +10662,7 @@
 </p:sld>
 </file>
 
-<file path=ppt/slides/slide17.xml><?xml version="1.0" encoding="utf-8"?>
+<file path=ppt/slides/slide16.xml><?xml version="1.0" encoding="utf-8"?>
 <p:sld xmlns:a="http://schemas.openxmlformats.org/drawingml/2006/main" xmlns:r="http://schemas.openxmlformats.org/officeDocument/2006/relationships" xmlns:p="http://schemas.openxmlformats.org/presentationml/2006/main">
   <p:cSld>
     <p:spTree>
@@ -11007,7 +11179,7 @@
 </p:sld>
 </file>
 
-<file path=ppt/slides/slide18.xml><?xml version="1.0" encoding="utf-8"?>
+<file path=ppt/slides/slide17.xml><?xml version="1.0" encoding="utf-8"?>
 <p:sld xmlns:a="http://schemas.openxmlformats.org/drawingml/2006/main" xmlns:r="http://schemas.openxmlformats.org/officeDocument/2006/relationships" xmlns:p="http://schemas.openxmlformats.org/presentationml/2006/main">
   <p:cSld>
     <p:spTree>
@@ -11547,7 +11719,7 @@
 </p:sld>
 </file>
 
-<file path=ppt/slides/slide19.xml><?xml version="1.0" encoding="utf-8"?>
+<file path=ppt/slides/slide18.xml><?xml version="1.0" encoding="utf-8"?>
 <p:sld xmlns:a="http://schemas.openxmlformats.org/drawingml/2006/main" xmlns:r="http://schemas.openxmlformats.org/officeDocument/2006/relationships" xmlns:p="http://schemas.openxmlformats.org/presentationml/2006/main">
   <p:cSld>
     <p:spTree>
@@ -12103,6 +12275,455 @@
 </p:sld>
 </file>
 
+<file path=ppt/slides/slide19.xml><?xml version="1.0" encoding="utf-8"?>
+<p:sld xmlns:a="http://schemas.openxmlformats.org/drawingml/2006/main" xmlns:r="http://schemas.openxmlformats.org/officeDocument/2006/relationships" xmlns:p="http://schemas.openxmlformats.org/presentationml/2006/main">
+  <p:cSld>
+    <p:spTree>
+      <p:nvGrpSpPr>
+        <p:cNvPr id="1" name=""/>
+        <p:cNvGrpSpPr/>
+        <p:nvPr/>
+      </p:nvGrpSpPr>
+      <p:grpSpPr>
+        <a:xfrm>
+          <a:off x="0" y="0"/>
+          <a:ext cx="0" cy="0"/>
+          <a:chOff x="0" y="0"/>
+          <a:chExt cx="0" cy="0"/>
+        </a:xfrm>
+      </p:grpSpPr>
+      <p:sp>
+        <p:nvSpPr>
+          <p:cNvPr id="2" name="Title 1">
+            <a:extLst>
+              <a:ext uri="{FF2B5EF4-FFF2-40B4-BE49-F238E27FC236}">
+                <a16:creationId xmlns:a16="http://schemas.microsoft.com/office/drawing/2014/main" id="{74E74843-2708-432C-A6C1-1ED5D05632B3}"/>
+              </a:ext>
+            </a:extLst>
+          </p:cNvPr>
+          <p:cNvSpPr>
+            <a:spLocks noGrp="1"/>
+          </p:cNvSpPr>
+          <p:nvPr>
+            <p:ph type="title"/>
+          </p:nvPr>
+        </p:nvSpPr>
+        <p:spPr/>
+        <p:txBody>
+          <a:bodyPr/>
+          <a:lstStyle/>
+          <a:p>
+            <a:r>
+              <a:rPr lang="en-US" b="1" dirty="0"/>
+              <a:t>Collaboration on the same repository </a:t>
+            </a:r>
+          </a:p>
+        </p:txBody>
+      </p:sp>
+      <p:sp>
+        <p:nvSpPr>
+          <p:cNvPr id="3" name="Content Placeholder 2">
+            <a:extLst>
+              <a:ext uri="{FF2B5EF4-FFF2-40B4-BE49-F238E27FC236}">
+                <a16:creationId xmlns:a16="http://schemas.microsoft.com/office/drawing/2014/main" id="{B5437416-D68F-4ECB-8C62-B3CB722FF1CD}"/>
+              </a:ext>
+            </a:extLst>
+          </p:cNvPr>
+          <p:cNvSpPr>
+            <a:spLocks noGrp="1"/>
+          </p:cNvSpPr>
+          <p:nvPr>
+            <p:ph idx="1"/>
+          </p:nvPr>
+        </p:nvSpPr>
+        <p:spPr/>
+        <p:txBody>
+          <a:bodyPr/>
+          <a:lstStyle/>
+          <a:p>
+            <a:r>
+              <a:rPr lang="en-US" dirty="0"/>
+              <a:t>Repository &gt;&gt; settings &gt;&gt; manage access &gt;&gt; invite collaborators</a:t>
+            </a:r>
+          </a:p>
+          <a:p>
+            <a:r>
+              <a:rPr lang="en-US" dirty="0"/>
+              <a:t>Good practice: </a:t>
+            </a:r>
+          </a:p>
+          <a:p>
+            <a:pPr lvl="1"/>
+            <a:r>
+              <a:rPr lang="en-US" dirty="0"/>
+              <a:t>Main is reserved for the “truth” (convention)</a:t>
+            </a:r>
+          </a:p>
+          <a:p>
+            <a:pPr lvl="1"/>
+            <a:r>
+              <a:rPr lang="en-US" dirty="0"/>
+              <a:t>Make edits on branches – merge into main once complete </a:t>
+            </a:r>
+          </a:p>
+          <a:p>
+            <a:pPr lvl="2"/>
+            <a:r>
+              <a:rPr lang="en-US" dirty="0"/>
+              <a:t>Deal with conflicts – same as before</a:t>
+            </a:r>
+          </a:p>
+        </p:txBody>
+      </p:sp>
+      <p:sp>
+        <p:nvSpPr>
+          <p:cNvPr id="12" name="Rectangle 11">
+            <a:extLst>
+              <a:ext uri="{FF2B5EF4-FFF2-40B4-BE49-F238E27FC236}">
+                <a16:creationId xmlns:a16="http://schemas.microsoft.com/office/drawing/2014/main" id="{EA17E4AA-2093-4F7F-A151-24B573A39C89}"/>
+              </a:ext>
+            </a:extLst>
+          </p:cNvPr>
+          <p:cNvSpPr/>
+          <p:nvPr/>
+        </p:nvSpPr>
+        <p:spPr>
+          <a:xfrm>
+            <a:off x="81280" y="91440"/>
+            <a:ext cx="12029440" cy="6675120"/>
+          </a:xfrm>
+          <a:prstGeom prst="rect">
+            <a:avLst/>
+          </a:prstGeom>
+          <a:noFill/>
+          <a:ln w="19050">
+            <a:solidFill>
+              <a:schemeClr val="tx1"/>
+            </a:solidFill>
+          </a:ln>
+        </p:spPr>
+        <p:style>
+          <a:lnRef idx="2">
+            <a:schemeClr val="accent1">
+              <a:shade val="50000"/>
+            </a:schemeClr>
+          </a:lnRef>
+          <a:fillRef idx="1">
+            <a:schemeClr val="accent1"/>
+          </a:fillRef>
+          <a:effectRef idx="0">
+            <a:schemeClr val="accent1"/>
+          </a:effectRef>
+          <a:fontRef idx="minor">
+            <a:schemeClr val="lt1"/>
+          </a:fontRef>
+        </p:style>
+        <p:txBody>
+          <a:bodyPr rtlCol="0" anchor="ctr"/>
+          <a:lstStyle/>
+          <a:p>
+            <a:pPr algn="ctr"/>
+            <a:endParaRPr lang="en-US"/>
+          </a:p>
+        </p:txBody>
+      </p:sp>
+    </p:spTree>
+    <p:extLst>
+      <p:ext uri="{BB962C8B-B14F-4D97-AF65-F5344CB8AC3E}">
+        <p14:creationId xmlns:p14="http://schemas.microsoft.com/office/powerpoint/2010/main" val="3445351169"/>
+      </p:ext>
+    </p:extLst>
+  </p:cSld>
+  <p:clrMapOvr>
+    <a:masterClrMapping/>
+  </p:clrMapOvr>
+  <p:timing>
+    <p:tnLst>
+      <p:par>
+        <p:cTn id="1" dur="indefinite" restart="never" nodeType="tmRoot">
+          <p:childTnLst>
+            <p:seq concurrent="1" nextAc="seek">
+              <p:cTn id="2" dur="indefinite" nodeType="mainSeq">
+                <p:childTnLst>
+                  <p:par>
+                    <p:cTn id="3" fill="hold">
+                      <p:stCondLst>
+                        <p:cond delay="indefinite"/>
+                      </p:stCondLst>
+                      <p:childTnLst>
+                        <p:par>
+                          <p:cTn id="4" fill="hold">
+                            <p:stCondLst>
+                              <p:cond delay="0"/>
+                            </p:stCondLst>
+                            <p:childTnLst>
+                              <p:par>
+                                <p:cTn id="5" presetID="10" presetClass="entr" presetSubtype="0" fill="hold" grpId="0" nodeType="clickEffect">
+                                  <p:stCondLst>
+                                    <p:cond delay="0"/>
+                                  </p:stCondLst>
+                                  <p:childTnLst>
+                                    <p:set>
+                                      <p:cBhvr>
+                                        <p:cTn id="6" dur="1" fill="hold">
+                                          <p:stCondLst>
+                                            <p:cond delay="0"/>
+                                          </p:stCondLst>
+                                        </p:cTn>
+                                        <p:tgtEl>
+                                          <p:spTgt spid="3">
+                                            <p:txEl>
+                                              <p:pRg st="0" end="0"/>
+                                            </p:txEl>
+                                          </p:spTgt>
+                                        </p:tgtEl>
+                                        <p:attrNameLst>
+                                          <p:attrName>style.visibility</p:attrName>
+                                        </p:attrNameLst>
+                                      </p:cBhvr>
+                                      <p:to>
+                                        <p:strVal val="visible"/>
+                                      </p:to>
+                                    </p:set>
+                                    <p:animEffect transition="in" filter="fade">
+                                      <p:cBhvr>
+                                        <p:cTn id="7" dur="500"/>
+                                        <p:tgtEl>
+                                          <p:spTgt spid="3">
+                                            <p:txEl>
+                                              <p:pRg st="0" end="0"/>
+                                            </p:txEl>
+                                          </p:spTgt>
+                                        </p:tgtEl>
+                                      </p:cBhvr>
+                                    </p:animEffect>
+                                  </p:childTnLst>
+                                </p:cTn>
+                              </p:par>
+                            </p:childTnLst>
+                          </p:cTn>
+                        </p:par>
+                      </p:childTnLst>
+                    </p:cTn>
+                  </p:par>
+                  <p:par>
+                    <p:cTn id="8" fill="hold">
+                      <p:stCondLst>
+                        <p:cond delay="indefinite"/>
+                      </p:stCondLst>
+                      <p:childTnLst>
+                        <p:par>
+                          <p:cTn id="9" fill="hold">
+                            <p:stCondLst>
+                              <p:cond delay="0"/>
+                            </p:stCondLst>
+                            <p:childTnLst>
+                              <p:par>
+                                <p:cTn id="10" presetID="10" presetClass="entr" presetSubtype="0" fill="hold" grpId="0" nodeType="clickEffect">
+                                  <p:stCondLst>
+                                    <p:cond delay="0"/>
+                                  </p:stCondLst>
+                                  <p:childTnLst>
+                                    <p:set>
+                                      <p:cBhvr>
+                                        <p:cTn id="11" dur="1" fill="hold">
+                                          <p:stCondLst>
+                                            <p:cond delay="0"/>
+                                          </p:stCondLst>
+                                        </p:cTn>
+                                        <p:tgtEl>
+                                          <p:spTgt spid="3">
+                                            <p:txEl>
+                                              <p:pRg st="1" end="1"/>
+                                            </p:txEl>
+                                          </p:spTgt>
+                                        </p:tgtEl>
+                                        <p:attrNameLst>
+                                          <p:attrName>style.visibility</p:attrName>
+                                        </p:attrNameLst>
+                                      </p:cBhvr>
+                                      <p:to>
+                                        <p:strVal val="visible"/>
+                                      </p:to>
+                                    </p:set>
+                                    <p:animEffect transition="in" filter="fade">
+                                      <p:cBhvr>
+                                        <p:cTn id="12" dur="500"/>
+                                        <p:tgtEl>
+                                          <p:spTgt spid="3">
+                                            <p:txEl>
+                                              <p:pRg st="1" end="1"/>
+                                            </p:txEl>
+                                          </p:spTgt>
+                                        </p:tgtEl>
+                                      </p:cBhvr>
+                                    </p:animEffect>
+                                  </p:childTnLst>
+                                </p:cTn>
+                              </p:par>
+                              <p:par>
+                                <p:cTn id="13" presetID="10" presetClass="entr" presetSubtype="0" fill="hold" grpId="0" nodeType="withEffect">
+                                  <p:stCondLst>
+                                    <p:cond delay="0"/>
+                                  </p:stCondLst>
+                                  <p:childTnLst>
+                                    <p:set>
+                                      <p:cBhvr>
+                                        <p:cTn id="14" dur="1" fill="hold">
+                                          <p:stCondLst>
+                                            <p:cond delay="0"/>
+                                          </p:stCondLst>
+                                        </p:cTn>
+                                        <p:tgtEl>
+                                          <p:spTgt spid="3">
+                                            <p:txEl>
+                                              <p:pRg st="2" end="2"/>
+                                            </p:txEl>
+                                          </p:spTgt>
+                                        </p:tgtEl>
+                                        <p:attrNameLst>
+                                          <p:attrName>style.visibility</p:attrName>
+                                        </p:attrNameLst>
+                                      </p:cBhvr>
+                                      <p:to>
+                                        <p:strVal val="visible"/>
+                                      </p:to>
+                                    </p:set>
+                                    <p:animEffect transition="in" filter="fade">
+                                      <p:cBhvr>
+                                        <p:cTn id="15" dur="500"/>
+                                        <p:tgtEl>
+                                          <p:spTgt spid="3">
+                                            <p:txEl>
+                                              <p:pRg st="2" end="2"/>
+                                            </p:txEl>
+                                          </p:spTgt>
+                                        </p:tgtEl>
+                                      </p:cBhvr>
+                                    </p:animEffect>
+                                  </p:childTnLst>
+                                </p:cTn>
+                              </p:par>
+                              <p:par>
+                                <p:cTn id="16" presetID="10" presetClass="entr" presetSubtype="0" fill="hold" grpId="0" nodeType="withEffect">
+                                  <p:stCondLst>
+                                    <p:cond delay="0"/>
+                                  </p:stCondLst>
+                                  <p:childTnLst>
+                                    <p:set>
+                                      <p:cBhvr>
+                                        <p:cTn id="17" dur="1" fill="hold">
+                                          <p:stCondLst>
+                                            <p:cond delay="0"/>
+                                          </p:stCondLst>
+                                        </p:cTn>
+                                        <p:tgtEl>
+                                          <p:spTgt spid="3">
+                                            <p:txEl>
+                                              <p:pRg st="3" end="3"/>
+                                            </p:txEl>
+                                          </p:spTgt>
+                                        </p:tgtEl>
+                                        <p:attrNameLst>
+                                          <p:attrName>style.visibility</p:attrName>
+                                        </p:attrNameLst>
+                                      </p:cBhvr>
+                                      <p:to>
+                                        <p:strVal val="visible"/>
+                                      </p:to>
+                                    </p:set>
+                                    <p:animEffect transition="in" filter="fade">
+                                      <p:cBhvr>
+                                        <p:cTn id="18" dur="500"/>
+                                        <p:tgtEl>
+                                          <p:spTgt spid="3">
+                                            <p:txEl>
+                                              <p:pRg st="3" end="3"/>
+                                            </p:txEl>
+                                          </p:spTgt>
+                                        </p:tgtEl>
+                                      </p:cBhvr>
+                                    </p:animEffect>
+                                  </p:childTnLst>
+                                </p:cTn>
+                              </p:par>
+                              <p:par>
+                                <p:cTn id="19" presetID="10" presetClass="entr" presetSubtype="0" fill="hold" grpId="0" nodeType="withEffect">
+                                  <p:stCondLst>
+                                    <p:cond delay="0"/>
+                                  </p:stCondLst>
+                                  <p:childTnLst>
+                                    <p:set>
+                                      <p:cBhvr>
+                                        <p:cTn id="20" dur="1" fill="hold">
+                                          <p:stCondLst>
+                                            <p:cond delay="0"/>
+                                          </p:stCondLst>
+                                        </p:cTn>
+                                        <p:tgtEl>
+                                          <p:spTgt spid="3">
+                                            <p:txEl>
+                                              <p:pRg st="4" end="4"/>
+                                            </p:txEl>
+                                          </p:spTgt>
+                                        </p:tgtEl>
+                                        <p:attrNameLst>
+                                          <p:attrName>style.visibility</p:attrName>
+                                        </p:attrNameLst>
+                                      </p:cBhvr>
+                                      <p:to>
+                                        <p:strVal val="visible"/>
+                                      </p:to>
+                                    </p:set>
+                                    <p:animEffect transition="in" filter="fade">
+                                      <p:cBhvr>
+                                        <p:cTn id="21" dur="500"/>
+                                        <p:tgtEl>
+                                          <p:spTgt spid="3">
+                                            <p:txEl>
+                                              <p:pRg st="4" end="4"/>
+                                            </p:txEl>
+                                          </p:spTgt>
+                                        </p:tgtEl>
+                                      </p:cBhvr>
+                                    </p:animEffect>
+                                  </p:childTnLst>
+                                </p:cTn>
+                              </p:par>
+                            </p:childTnLst>
+                          </p:cTn>
+                        </p:par>
+                      </p:childTnLst>
+                    </p:cTn>
+                  </p:par>
+                </p:childTnLst>
+              </p:cTn>
+              <p:prevCondLst>
+                <p:cond evt="onPrev" delay="0">
+                  <p:tgtEl>
+                    <p:sldTgt/>
+                  </p:tgtEl>
+                </p:cond>
+              </p:prevCondLst>
+              <p:nextCondLst>
+                <p:cond evt="onNext" delay="0">
+                  <p:tgtEl>
+                    <p:sldTgt/>
+                  </p:tgtEl>
+                </p:cond>
+              </p:nextCondLst>
+            </p:seq>
+          </p:childTnLst>
+        </p:cTn>
+      </p:par>
+    </p:tnLst>
+    <p:bldLst>
+      <p:bldP spid="3" grpId="0" build="p"/>
+    </p:bldLst>
+  </p:timing>
+</p:sld>
+</file>
+
 <file path=ppt/slides/slide2.xml><?xml version="1.0" encoding="utf-8"?>
 <p:sld xmlns:a="http://schemas.openxmlformats.org/drawingml/2006/main" xmlns:r="http://schemas.openxmlformats.org/officeDocument/2006/relationships" xmlns:p="http://schemas.openxmlformats.org/presentationml/2006/main">
   <p:cSld>
@@ -12640,7 +13261,7 @@
           <p:cNvPr id="2" name="Title 1">
             <a:extLst>
               <a:ext uri="{FF2B5EF4-FFF2-40B4-BE49-F238E27FC236}">
-                <a16:creationId xmlns:a16="http://schemas.microsoft.com/office/drawing/2014/main" id="{74E74843-2708-432C-A6C1-1ED5D05632B3}"/>
+                <a16:creationId xmlns:a16="http://schemas.microsoft.com/office/drawing/2014/main" id="{3768346D-BC47-4FB0-B482-7842B0B429F5}"/>
               </a:ext>
             </a:extLst>
           </p:cNvPr>
@@ -12658,7 +13279,7 @@
           <a:p>
             <a:r>
               <a:rPr lang="en-US" b="1" dirty="0"/>
-              <a:t>Collaboration on the same repository </a:t>
+              <a:t>Collaboration Between Repositories</a:t>
             </a:r>
           </a:p>
         </p:txBody>
@@ -12668,7 +13289,7 @@
           <p:cNvPr id="3" name="Content Placeholder 2">
             <a:extLst>
               <a:ext uri="{FF2B5EF4-FFF2-40B4-BE49-F238E27FC236}">
-                <a16:creationId xmlns:a16="http://schemas.microsoft.com/office/drawing/2014/main" id="{B5437416-D68F-4ECB-8C62-B3CB722FF1CD}"/>
+                <a16:creationId xmlns:a16="http://schemas.microsoft.com/office/drawing/2014/main" id="{010217D4-CA5B-4EBC-912E-44979888A053}"/>
               </a:ext>
             </a:extLst>
           </p:cNvPr>
@@ -12679,51 +13300,109 @@
             <p:ph idx="1"/>
           </p:nvPr>
         </p:nvSpPr>
-        <p:spPr/>
+        <p:spPr>
+          <a:xfrm>
+            <a:off x="838200" y="1974481"/>
+            <a:ext cx="10515600" cy="4351338"/>
+          </a:xfrm>
+        </p:spPr>
         <p:txBody>
           <a:bodyPr/>
           <a:lstStyle/>
           <a:p>
             <a:r>
+              <a:rPr lang="en-US" b="1" dirty="0"/>
+              <a:t>Fork</a:t>
+            </a:r>
+            <a:r>
               <a:rPr lang="en-US" dirty="0"/>
-              <a:t>Repository &gt;&gt; settings &gt;&gt; manage access &gt;&gt; invite collaborators</a:t>
-            </a:r>
-          </a:p>
-          <a:p>
+              <a:t> a repository:</a:t>
+            </a:r>
+          </a:p>
+          <a:p>
+            <a:pPr lvl="1"/>
             <a:r>
               <a:rPr lang="en-US" dirty="0"/>
-              <a:t>Good practice: </a:t>
+              <a:t>Go to GitHub: </a:t>
+            </a:r>
+          </a:p>
+          <a:p>
+            <a:pPr lvl="2"/>
+            <a:r>
+              <a:rPr lang="en-US" dirty="0"/>
+              <a:t>Find the repository: </a:t>
+            </a:r>
+            <a:r>
+              <a:rPr lang="en-US" dirty="0" err="1"/>
+              <a:t>Hannarea</a:t>
+            </a:r>
+            <a:r>
+              <a:rPr lang="en-US" dirty="0"/>
+              <a:t>, SIAM-Knights-Python-Workshops</a:t>
+            </a:r>
+          </a:p>
+          <a:p>
+            <a:pPr lvl="2"/>
+            <a:r>
+              <a:rPr lang="en-US" dirty="0"/>
+              <a:t>Fork it </a:t>
             </a:r>
           </a:p>
           <a:p>
             <a:pPr lvl="1"/>
             <a:r>
               <a:rPr lang="en-US" dirty="0"/>
-              <a:t>Main is reserved for the “truth” </a:t>
+              <a:t>Clone this repository onto your computer </a:t>
+            </a:r>
+          </a:p>
+          <a:p>
+            <a:r>
+              <a:rPr lang="en-US" dirty="0"/>
+              <a:t>Collaborate: </a:t>
             </a:r>
           </a:p>
           <a:p>
             <a:pPr lvl="1"/>
             <a:r>
               <a:rPr lang="en-US" dirty="0"/>
-              <a:t>Make edits on branches – merge into main once complete </a:t>
+              <a:t>Edit something on the repository (add a file, edit the readme, add a comment to the file, delete a file, whatever you want!)</a:t>
+            </a:r>
+          </a:p>
+          <a:p>
+            <a:pPr lvl="1"/>
+            <a:r>
+              <a:rPr lang="en-US" dirty="0"/>
+              <a:t>Stage, commit, and push these changes to YOUR copy</a:t>
+            </a:r>
+          </a:p>
+          <a:p>
+            <a:pPr lvl="1"/>
+            <a:r>
+              <a:rPr lang="en-US" dirty="0"/>
+              <a:t>Create a pull request from your repository</a:t>
             </a:r>
           </a:p>
           <a:p>
             <a:pPr lvl="2"/>
             <a:r>
               <a:rPr lang="en-US" dirty="0"/>
-              <a:t>Deal with conflicts - </a:t>
-            </a:r>
+              <a:t>This will give me the option of updating my repository with your edits!</a:t>
+            </a:r>
+          </a:p>
+          <a:p>
+            <a:pPr marL="457200" lvl="1" indent="0">
+              <a:buNone/>
+            </a:pPr>
+            <a:endParaRPr lang="en-US" dirty="0"/>
           </a:p>
         </p:txBody>
       </p:sp>
       <p:sp>
         <p:nvSpPr>
-          <p:cNvPr id="12" name="Rectangle 11">
+          <p:cNvPr id="8" name="Rectangle 7">
             <a:extLst>
               <a:ext uri="{FF2B5EF4-FFF2-40B4-BE49-F238E27FC236}">
-                <a16:creationId xmlns:a16="http://schemas.microsoft.com/office/drawing/2014/main" id="{EA17E4AA-2093-4F7F-A151-24B573A39C89}"/>
+                <a16:creationId xmlns:a16="http://schemas.microsoft.com/office/drawing/2014/main" id="{3BE58608-87A8-4D2A-95F8-E4E940273A63}"/>
               </a:ext>
             </a:extLst>
           </p:cNvPr>
@@ -12770,10 +13449,64 @@
           </a:p>
         </p:txBody>
       </p:sp>
+      <p:pic>
+        <p:nvPicPr>
+          <p:cNvPr id="1026" name="Picture 2" descr="Pitchfork Mob - Home | Facebook">
+            <a:extLst>
+              <a:ext uri="{FF2B5EF4-FFF2-40B4-BE49-F238E27FC236}">
+                <a16:creationId xmlns:a16="http://schemas.microsoft.com/office/drawing/2014/main" id="{683EFD46-0A05-4A5F-8BA3-1CA9719BEEB1}"/>
+              </a:ext>
+            </a:extLst>
+          </p:cNvPr>
+          <p:cNvPicPr>
+            <a:picLocks noChangeAspect="1" noChangeArrowheads="1"/>
+          </p:cNvPicPr>
+          <p:nvPr/>
+        </p:nvPicPr>
+        <p:blipFill>
+          <a:blip r:embed="rId2">
+            <a:duotone>
+              <a:schemeClr val="accent3">
+                <a:shade val="45000"/>
+                <a:satMod val="135000"/>
+              </a:schemeClr>
+              <a:prstClr val="white"/>
+            </a:duotone>
+            <a:extLst>
+              <a:ext uri="{28A0092B-C50C-407E-A947-70E740481C1C}">
+                <a14:useLocalDpi xmlns:a14="http://schemas.microsoft.com/office/drawing/2010/main" val="0"/>
+              </a:ext>
+            </a:extLst>
+          </a:blip>
+          <a:srcRect/>
+          <a:stretch>
+            <a:fillRect/>
+          </a:stretch>
+        </p:blipFill>
+        <p:spPr bwMode="auto">
+          <a:xfrm>
+            <a:off x="8879841" y="797560"/>
+            <a:ext cx="3055620" cy="1946463"/>
+          </a:xfrm>
+          <a:prstGeom prst="rect">
+            <a:avLst/>
+          </a:prstGeom>
+          <a:noFill/>
+          <a:extLst>
+            <a:ext uri="{909E8E84-426E-40DD-AFC4-6F175D3DCCD1}">
+              <a14:hiddenFill xmlns:a14="http://schemas.microsoft.com/office/drawing/2010/main">
+                <a:solidFill>
+                  <a:srgbClr val="FFFFFF"/>
+                </a:solidFill>
+              </a14:hiddenFill>
+            </a:ext>
+          </a:extLst>
+        </p:spPr>
+      </p:pic>
     </p:spTree>
     <p:extLst>
       <p:ext uri="{BB962C8B-B14F-4D97-AF65-F5344CB8AC3E}">
-        <p14:creationId xmlns:p14="http://schemas.microsoft.com/office/powerpoint/2010/main" val="3445351169"/>
+        <p14:creationId xmlns:p14="http://schemas.microsoft.com/office/powerpoint/2010/main" val="1743641605"/>
       </p:ext>
     </p:extLst>
   </p:cSld>
@@ -12843,6 +13576,178 @@
                                   </p:childTnLst>
                                 </p:cTn>
                               </p:par>
+                              <p:par>
+                                <p:cTn id="8" presetID="10" presetClass="entr" presetSubtype="0" fill="hold" grpId="0" nodeType="withEffect">
+                                  <p:stCondLst>
+                                    <p:cond delay="0"/>
+                                  </p:stCondLst>
+                                  <p:childTnLst>
+                                    <p:set>
+                                      <p:cBhvr>
+                                        <p:cTn id="9" dur="1" fill="hold">
+                                          <p:stCondLst>
+                                            <p:cond delay="0"/>
+                                          </p:stCondLst>
+                                        </p:cTn>
+                                        <p:tgtEl>
+                                          <p:spTgt spid="3">
+                                            <p:txEl>
+                                              <p:pRg st="1" end="1"/>
+                                            </p:txEl>
+                                          </p:spTgt>
+                                        </p:tgtEl>
+                                        <p:attrNameLst>
+                                          <p:attrName>style.visibility</p:attrName>
+                                        </p:attrNameLst>
+                                      </p:cBhvr>
+                                      <p:to>
+                                        <p:strVal val="visible"/>
+                                      </p:to>
+                                    </p:set>
+                                    <p:animEffect transition="in" filter="fade">
+                                      <p:cBhvr>
+                                        <p:cTn id="10" dur="500"/>
+                                        <p:tgtEl>
+                                          <p:spTgt spid="3">
+                                            <p:txEl>
+                                              <p:pRg st="1" end="1"/>
+                                            </p:txEl>
+                                          </p:spTgt>
+                                        </p:tgtEl>
+                                      </p:cBhvr>
+                                    </p:animEffect>
+                                  </p:childTnLst>
+                                </p:cTn>
+                              </p:par>
+                              <p:par>
+                                <p:cTn id="11" presetID="10" presetClass="entr" presetSubtype="0" fill="hold" grpId="0" nodeType="withEffect">
+                                  <p:stCondLst>
+                                    <p:cond delay="0"/>
+                                  </p:stCondLst>
+                                  <p:childTnLst>
+                                    <p:set>
+                                      <p:cBhvr>
+                                        <p:cTn id="12" dur="1" fill="hold">
+                                          <p:stCondLst>
+                                            <p:cond delay="0"/>
+                                          </p:stCondLst>
+                                        </p:cTn>
+                                        <p:tgtEl>
+                                          <p:spTgt spid="3">
+                                            <p:txEl>
+                                              <p:pRg st="2" end="2"/>
+                                            </p:txEl>
+                                          </p:spTgt>
+                                        </p:tgtEl>
+                                        <p:attrNameLst>
+                                          <p:attrName>style.visibility</p:attrName>
+                                        </p:attrNameLst>
+                                      </p:cBhvr>
+                                      <p:to>
+                                        <p:strVal val="visible"/>
+                                      </p:to>
+                                    </p:set>
+                                    <p:animEffect transition="in" filter="fade">
+                                      <p:cBhvr>
+                                        <p:cTn id="13" dur="500"/>
+                                        <p:tgtEl>
+                                          <p:spTgt spid="3">
+                                            <p:txEl>
+                                              <p:pRg st="2" end="2"/>
+                                            </p:txEl>
+                                          </p:spTgt>
+                                        </p:tgtEl>
+                                      </p:cBhvr>
+                                    </p:animEffect>
+                                  </p:childTnLst>
+                                </p:cTn>
+                              </p:par>
+                              <p:par>
+                                <p:cTn id="14" presetID="10" presetClass="entr" presetSubtype="0" fill="hold" grpId="0" nodeType="withEffect">
+                                  <p:stCondLst>
+                                    <p:cond delay="0"/>
+                                  </p:stCondLst>
+                                  <p:childTnLst>
+                                    <p:set>
+                                      <p:cBhvr>
+                                        <p:cTn id="15" dur="1" fill="hold">
+                                          <p:stCondLst>
+                                            <p:cond delay="0"/>
+                                          </p:stCondLst>
+                                        </p:cTn>
+                                        <p:tgtEl>
+                                          <p:spTgt spid="3">
+                                            <p:txEl>
+                                              <p:pRg st="3" end="3"/>
+                                            </p:txEl>
+                                          </p:spTgt>
+                                        </p:tgtEl>
+                                        <p:attrNameLst>
+                                          <p:attrName>style.visibility</p:attrName>
+                                        </p:attrNameLst>
+                                      </p:cBhvr>
+                                      <p:to>
+                                        <p:strVal val="visible"/>
+                                      </p:to>
+                                    </p:set>
+                                    <p:animEffect transition="in" filter="fade">
+                                      <p:cBhvr>
+                                        <p:cTn id="16" dur="500"/>
+                                        <p:tgtEl>
+                                          <p:spTgt spid="3">
+                                            <p:txEl>
+                                              <p:pRg st="3" end="3"/>
+                                            </p:txEl>
+                                          </p:spTgt>
+                                        </p:tgtEl>
+                                      </p:cBhvr>
+                                    </p:animEffect>
+                                  </p:childTnLst>
+                                </p:cTn>
+                              </p:par>
+                              <p:par>
+                                <p:cTn id="17" presetID="10" presetClass="entr" presetSubtype="0" fill="hold" grpId="0" nodeType="withEffect">
+                                  <p:stCondLst>
+                                    <p:cond delay="0"/>
+                                  </p:stCondLst>
+                                  <p:childTnLst>
+                                    <p:set>
+                                      <p:cBhvr>
+                                        <p:cTn id="18" dur="1" fill="hold">
+                                          <p:stCondLst>
+                                            <p:cond delay="0"/>
+                                          </p:stCondLst>
+                                        </p:cTn>
+                                        <p:tgtEl>
+                                          <p:spTgt spid="3">
+                                            <p:txEl>
+                                              <p:pRg st="4" end="4"/>
+                                            </p:txEl>
+                                          </p:spTgt>
+                                        </p:tgtEl>
+                                        <p:attrNameLst>
+                                          <p:attrName>style.visibility</p:attrName>
+                                        </p:attrNameLst>
+                                      </p:cBhvr>
+                                      <p:to>
+                                        <p:strVal val="visible"/>
+                                      </p:to>
+                                    </p:set>
+                                    <p:animEffect transition="in" filter="fade">
+                                      <p:cBhvr>
+                                        <p:cTn id="19" dur="500"/>
+                                        <p:tgtEl>
+                                          <p:spTgt spid="3">
+                                            <p:txEl>
+                                              <p:pRg st="4" end="4"/>
+                                            </p:txEl>
+                                          </p:spTgt>
+                                        </p:tgtEl>
+                                      </p:cBhvr>
+                                    </p:animEffect>
+                                  </p:childTnLst>
+                                </p:cTn>
+                              </p:par>
                             </p:childTnLst>
                           </p:cTn>
                         </p:par>
@@ -12850,26 +13755,26 @@
                     </p:cTn>
                   </p:par>
                   <p:par>
-                    <p:cTn id="8" fill="hold">
+                    <p:cTn id="20" fill="hold">
                       <p:stCondLst>
                         <p:cond delay="indefinite"/>
                       </p:stCondLst>
                       <p:childTnLst>
                         <p:par>
-                          <p:cTn id="9" fill="hold">
+                          <p:cTn id="21" fill="hold">
                             <p:stCondLst>
                               <p:cond delay="0"/>
                             </p:stCondLst>
                             <p:childTnLst>
                               <p:par>
-                                <p:cTn id="10" presetID="10" presetClass="entr" presetSubtype="0" fill="hold" grpId="0" nodeType="clickEffect">
+                                <p:cTn id="22" presetID="10" presetClass="entr" presetSubtype="0" fill="hold" grpId="0" nodeType="clickEffect">
                                   <p:stCondLst>
                                     <p:cond delay="0"/>
                                   </p:stCondLst>
                                   <p:childTnLst>
                                     <p:set>
                                       <p:cBhvr>
-                                        <p:cTn id="11" dur="1" fill="hold">
+                                        <p:cTn id="23" dur="1" fill="hold">
                                           <p:stCondLst>
                                             <p:cond delay="0"/>
                                           </p:stCondLst>
@@ -12877,7 +13782,7 @@
                                         <p:tgtEl>
                                           <p:spTgt spid="3">
                                             <p:txEl>
-                                              <p:pRg st="1" end="1"/>
+                                              <p:pRg st="5" end="5"/>
                                             </p:txEl>
                                           </p:spTgt>
                                         </p:tgtEl>
@@ -12891,11 +13796,11 @@
                                     </p:set>
                                     <p:animEffect transition="in" filter="fade">
                                       <p:cBhvr>
-                                        <p:cTn id="12" dur="500"/>
-                                        <p:tgtEl>
-                                          <p:spTgt spid="3">
-                                            <p:txEl>
-                                              <p:pRg st="1" end="1"/>
+                                        <p:cTn id="24" dur="500"/>
+                                        <p:tgtEl>
+                                          <p:spTgt spid="3">
+                                            <p:txEl>
+                                              <p:pRg st="5" end="5"/>
                                             </p:txEl>
                                           </p:spTgt>
                                         </p:tgtEl>
@@ -12905,14 +13810,14 @@
                                 </p:cTn>
                               </p:par>
                               <p:par>
-                                <p:cTn id="13" presetID="10" presetClass="entr" presetSubtype="0" fill="hold" grpId="0" nodeType="withEffect">
+                                <p:cTn id="25" presetID="10" presetClass="entr" presetSubtype="0" fill="hold" grpId="0" nodeType="withEffect">
                                   <p:stCondLst>
                                     <p:cond delay="0"/>
                                   </p:stCondLst>
                                   <p:childTnLst>
                                     <p:set>
                                       <p:cBhvr>
-                                        <p:cTn id="14" dur="1" fill="hold">
+                                        <p:cTn id="26" dur="1" fill="hold">
                                           <p:stCondLst>
                                             <p:cond delay="0"/>
                                           </p:stCondLst>
@@ -12920,7 +13825,7 @@
                                         <p:tgtEl>
                                           <p:spTgt spid="3">
                                             <p:txEl>
-                                              <p:pRg st="2" end="2"/>
+                                              <p:pRg st="6" end="6"/>
                                             </p:txEl>
                                           </p:spTgt>
                                         </p:tgtEl>
@@ -12934,11 +13839,11 @@
                                     </p:set>
                                     <p:animEffect transition="in" filter="fade">
                                       <p:cBhvr>
-                                        <p:cTn id="15" dur="500"/>
-                                        <p:tgtEl>
-                                          <p:spTgt spid="3">
-                                            <p:txEl>
-                                              <p:pRg st="2" end="2"/>
+                                        <p:cTn id="27" dur="500"/>
+                                        <p:tgtEl>
+                                          <p:spTgt spid="3">
+                                            <p:txEl>
+                                              <p:pRg st="6" end="6"/>
                                             </p:txEl>
                                           </p:spTgt>
                                         </p:tgtEl>
@@ -12948,14 +13853,14 @@
                                 </p:cTn>
                               </p:par>
                               <p:par>
-                                <p:cTn id="16" presetID="10" presetClass="entr" presetSubtype="0" fill="hold" grpId="0" nodeType="withEffect">
+                                <p:cTn id="28" presetID="10" presetClass="entr" presetSubtype="0" fill="hold" grpId="0" nodeType="withEffect">
                                   <p:stCondLst>
                                     <p:cond delay="0"/>
                                   </p:stCondLst>
                                   <p:childTnLst>
                                     <p:set>
                                       <p:cBhvr>
-                                        <p:cTn id="17" dur="1" fill="hold">
+                                        <p:cTn id="29" dur="1" fill="hold">
                                           <p:stCondLst>
                                             <p:cond delay="0"/>
                                           </p:stCondLst>
@@ -12963,7 +13868,7 @@
                                         <p:tgtEl>
                                           <p:spTgt spid="3">
                                             <p:txEl>
-                                              <p:pRg st="3" end="3"/>
+                                              <p:pRg st="7" end="7"/>
                                             </p:txEl>
                                           </p:spTgt>
                                         </p:tgtEl>
@@ -12977,11 +13882,11 @@
                                     </p:set>
                                     <p:animEffect transition="in" filter="fade">
                                       <p:cBhvr>
-                                        <p:cTn id="18" dur="500"/>
-                                        <p:tgtEl>
-                                          <p:spTgt spid="3">
-                                            <p:txEl>
-                                              <p:pRg st="3" end="3"/>
+                                        <p:cTn id="30" dur="500"/>
+                                        <p:tgtEl>
+                                          <p:spTgt spid="3">
+                                            <p:txEl>
+                                              <p:pRg st="7" end="7"/>
                                             </p:txEl>
                                           </p:spTgt>
                                         </p:tgtEl>
@@ -12991,14 +13896,14 @@
                                 </p:cTn>
                               </p:par>
                               <p:par>
-                                <p:cTn id="19" presetID="10" presetClass="entr" presetSubtype="0" fill="hold" grpId="0" nodeType="withEffect">
+                                <p:cTn id="31" presetID="10" presetClass="entr" presetSubtype="0" fill="hold" grpId="0" nodeType="withEffect">
                                   <p:stCondLst>
                                     <p:cond delay="0"/>
                                   </p:stCondLst>
                                   <p:childTnLst>
                                     <p:set>
                                       <p:cBhvr>
-                                        <p:cTn id="20" dur="1" fill="hold">
+                                        <p:cTn id="32" dur="1" fill="hold">
                                           <p:stCondLst>
                                             <p:cond delay="0"/>
                                           </p:stCondLst>
@@ -13006,7 +13911,7 @@
                                         <p:tgtEl>
                                           <p:spTgt spid="3">
                                             <p:txEl>
-                                              <p:pRg st="4" end="4"/>
+                                              <p:pRg st="8" end="8"/>
                                             </p:txEl>
                                           </p:spTgt>
                                         </p:tgtEl>
@@ -13020,11 +13925,54 @@
                                     </p:set>
                                     <p:animEffect transition="in" filter="fade">
                                       <p:cBhvr>
-                                        <p:cTn id="21" dur="500"/>
-                                        <p:tgtEl>
-                                          <p:spTgt spid="3">
-                                            <p:txEl>
-                                              <p:pRg st="4" end="4"/>
+                                        <p:cTn id="33" dur="500"/>
+                                        <p:tgtEl>
+                                          <p:spTgt spid="3">
+                                            <p:txEl>
+                                              <p:pRg st="8" end="8"/>
+                                            </p:txEl>
+                                          </p:spTgt>
+                                        </p:tgtEl>
+                                      </p:cBhvr>
+                                    </p:animEffect>
+                                  </p:childTnLst>
+                                </p:cTn>
+                              </p:par>
+                              <p:par>
+                                <p:cTn id="34" presetID="10" presetClass="entr" presetSubtype="0" fill="hold" grpId="0" nodeType="withEffect">
+                                  <p:stCondLst>
+                                    <p:cond delay="0"/>
+                                  </p:stCondLst>
+                                  <p:childTnLst>
+                                    <p:set>
+                                      <p:cBhvr>
+                                        <p:cTn id="35" dur="1" fill="hold">
+                                          <p:stCondLst>
+                                            <p:cond delay="0"/>
+                                          </p:stCondLst>
+                                        </p:cTn>
+                                        <p:tgtEl>
+                                          <p:spTgt spid="3">
+                                            <p:txEl>
+                                              <p:pRg st="9" end="9"/>
+                                            </p:txEl>
+                                          </p:spTgt>
+                                        </p:tgtEl>
+                                        <p:attrNameLst>
+                                          <p:attrName>style.visibility</p:attrName>
+                                        </p:attrNameLst>
+                                      </p:cBhvr>
+                                      <p:to>
+                                        <p:strVal val="visible"/>
+                                      </p:to>
+                                    </p:set>
+                                    <p:animEffect transition="in" filter="fade">
+                                      <p:cBhvr>
+                                        <p:cTn id="36" dur="500"/>
+                                        <p:tgtEl>
+                                          <p:spTgt spid="3">
+                                            <p:txEl>
+                                              <p:pRg st="9" end="9"/>
                                             </p:txEl>
                                           </p:spTgt>
                                         </p:tgtEl>
@@ -13089,7 +14037,7 @@
           <p:cNvPr id="2" name="Title 1">
             <a:extLst>
               <a:ext uri="{FF2B5EF4-FFF2-40B4-BE49-F238E27FC236}">
-                <a16:creationId xmlns:a16="http://schemas.microsoft.com/office/drawing/2014/main" id="{3768346D-BC47-4FB0-B482-7842B0B429F5}"/>
+                <a16:creationId xmlns:a16="http://schemas.microsoft.com/office/drawing/2014/main" id="{A43920DC-D8AD-491F-9737-A30FBDCCAC33}"/>
               </a:ext>
             </a:extLst>
           </p:cNvPr>
@@ -13107,7 +14055,11 @@
           <a:p>
             <a:r>
               <a:rPr lang="en-US" b="1" dirty="0"/>
-              <a:t>Collaboration Between Repositories</a:t>
+              <a:t>Review</a:t>
+            </a:r>
+            <a:r>
+              <a:rPr lang="en-US" dirty="0"/>
+              <a:t>:</a:t>
             </a:r>
           </a:p>
         </p:txBody>
@@ -13117,7 +14069,7 @@
           <p:cNvPr id="3" name="Content Placeholder 2">
             <a:extLst>
               <a:ext uri="{FF2B5EF4-FFF2-40B4-BE49-F238E27FC236}">
-                <a16:creationId xmlns:a16="http://schemas.microsoft.com/office/drawing/2014/main" id="{010217D4-CA5B-4EBC-912E-44979888A053}"/>
+                <a16:creationId xmlns:a16="http://schemas.microsoft.com/office/drawing/2014/main" id="{970C6397-FC5A-4DFE-B744-416C6BDA5DD1}"/>
               </a:ext>
             </a:extLst>
           </p:cNvPr>
@@ -13128,699 +14080,82 @@
             <p:ph idx="1"/>
           </p:nvPr>
         </p:nvSpPr>
-        <p:spPr>
-          <a:xfrm>
-            <a:off x="838200" y="1974481"/>
-            <a:ext cx="10515600" cy="4351338"/>
-          </a:xfrm>
-        </p:spPr>
+        <p:spPr/>
         <p:txBody>
           <a:bodyPr/>
           <a:lstStyle/>
           <a:p>
-            <a:r>
-              <a:rPr lang="en-US" b="1" dirty="0"/>
-              <a:t>Fork</a:t>
-            </a:r>
+            <a:pPr>
+              <a:buFont typeface="Wingdings" panose="05000000000000000000" pitchFamily="2" charset="2"/>
+              <a:buChar char="ü"/>
+            </a:pPr>
             <a:r>
               <a:rPr lang="en-US" dirty="0"/>
-              <a:t> a repository:</a:t>
-            </a:r>
-          </a:p>
-          <a:p>
-            <a:pPr lvl="1"/>
+              <a:t> Store projects in repositories</a:t>
+            </a:r>
+          </a:p>
+          <a:p>
+            <a:pPr>
+              <a:buFont typeface="Wingdings" panose="05000000000000000000" pitchFamily="2" charset="2"/>
+              <a:buChar char="ü"/>
+            </a:pPr>
             <a:r>
               <a:rPr lang="en-US" dirty="0"/>
-              <a:t>Go to GitHub: </a:t>
-            </a:r>
-          </a:p>
-          <a:p>
-            <a:pPr lvl="2"/>
+              <a:t> Create branches for risk-free editing</a:t>
+            </a:r>
+          </a:p>
+          <a:p>
+            <a:pPr>
+              <a:buFont typeface="Wingdings" panose="05000000000000000000" pitchFamily="2" charset="2"/>
+              <a:buChar char="ü"/>
+            </a:pPr>
             <a:r>
               <a:rPr lang="en-US" dirty="0"/>
-              <a:t>Find the repository: </a:t>
-            </a:r>
-            <a:r>
-              <a:rPr lang="en-US" dirty="0" err="1"/>
-              <a:t>Hannarea</a:t>
-            </a:r>
+              <a:t> Version history </a:t>
+            </a:r>
+          </a:p>
+          <a:p>
+            <a:pPr>
+              <a:buFont typeface="Wingdings" panose="05000000000000000000" pitchFamily="2" charset="2"/>
+              <a:buChar char="ü"/>
+            </a:pPr>
             <a:r>
               <a:rPr lang="en-US" dirty="0"/>
-              <a:t>, SIAM-Knights-Python-Workshops</a:t>
-            </a:r>
-          </a:p>
-          <a:p>
-            <a:pPr lvl="2"/>
+              <a:t> Code synchronization </a:t>
+            </a:r>
+          </a:p>
+          <a:p>
+            <a:pPr>
+              <a:buFont typeface="Wingdings" panose="05000000000000000000" pitchFamily="2" charset="2"/>
+              <a:buChar char="ü"/>
+            </a:pPr>
             <a:r>
               <a:rPr lang="en-US" dirty="0"/>
-              <a:t>Fork it </a:t>
-            </a:r>
-          </a:p>
-          <a:p>
-            <a:pPr lvl="1"/>
+              <a:t> Easy collaboration on coding projects</a:t>
+            </a:r>
+          </a:p>
+          <a:p>
+            <a:pPr>
+              <a:buFont typeface="Wingdings" panose="05000000000000000000" pitchFamily="2" charset="2"/>
+              <a:buChar char="ü"/>
+            </a:pPr>
             <a:r>
               <a:rPr lang="en-US" dirty="0"/>
-              <a:t>Clone this repository onto your computer </a:t>
-            </a:r>
-          </a:p>
-          <a:p>
-            <a:r>
-              <a:rPr lang="en-US" dirty="0"/>
-              <a:t>Collaborate: </a:t>
-            </a:r>
-          </a:p>
-          <a:p>
-            <a:pPr lvl="1"/>
-            <a:r>
-              <a:rPr lang="en-US" dirty="0"/>
-              <a:t>Edit something on the repository (add a file, edit the readme, add a comment to the file, delete a file, whatever you want!)</a:t>
-            </a:r>
-          </a:p>
-          <a:p>
-            <a:pPr lvl="1"/>
-            <a:r>
-              <a:rPr lang="en-US" dirty="0"/>
-              <a:t>Stage, commit, and push these changes to YOUR copy</a:t>
-            </a:r>
-          </a:p>
-          <a:p>
-            <a:pPr lvl="1"/>
-            <a:r>
-              <a:rPr lang="en-US" dirty="0"/>
-              <a:t>Create a pull request from your repository</a:t>
-            </a:r>
-          </a:p>
-          <a:p>
-            <a:pPr lvl="2"/>
-            <a:r>
-              <a:rPr lang="en-US" dirty="0"/>
-              <a:t>This will give me the option of updating my repository with your edits!</a:t>
-            </a:r>
-          </a:p>
-          <a:p>
-            <a:pPr marL="457200" lvl="1" indent="0">
-              <a:buNone/>
-            </a:pPr>
-            <a:endParaRPr lang="en-US" dirty="0"/>
-          </a:p>
-        </p:txBody>
-      </p:sp>
-      <p:pic>
-        <p:nvPicPr>
-          <p:cNvPr id="7" name="Picture 6" descr="A picture containing turner, fork&#10;&#10;Description automatically generated">
-            <a:extLst>
-              <a:ext uri="{FF2B5EF4-FFF2-40B4-BE49-F238E27FC236}">
-                <a16:creationId xmlns:a16="http://schemas.microsoft.com/office/drawing/2014/main" id="{C0859FBE-5F28-417B-A9AB-D40BAED2312D}"/>
-              </a:ext>
-            </a:extLst>
-          </p:cNvPr>
-          <p:cNvPicPr>
-            <a:picLocks noChangeAspect="1"/>
-          </p:cNvPicPr>
-          <p:nvPr/>
-        </p:nvPicPr>
-        <p:blipFill rotWithShape="1">
-          <a:blip r:embed="rId2">
-            <a:extLst>
-              <a:ext uri="{28A0092B-C50C-407E-A947-70E740481C1C}">
-                <a14:useLocalDpi xmlns:a14="http://schemas.microsoft.com/office/drawing/2010/main" val="0"/>
-              </a:ext>
-            </a:extLst>
-          </a:blip>
-          <a:srcRect l="38605" r="42209"/>
-          <a:stretch/>
-        </p:blipFill>
-        <p:spPr>
-          <a:xfrm>
-            <a:off x="10047770" y="365125"/>
-            <a:ext cx="773828" cy="3024964"/>
-          </a:xfrm>
-          <a:prstGeom prst="rect">
-            <a:avLst/>
-          </a:prstGeom>
-        </p:spPr>
-      </p:pic>
-      <p:sp>
-        <p:nvSpPr>
-          <p:cNvPr id="8" name="Rectangle 7">
-            <a:extLst>
-              <a:ext uri="{FF2B5EF4-FFF2-40B4-BE49-F238E27FC236}">
-                <a16:creationId xmlns:a16="http://schemas.microsoft.com/office/drawing/2014/main" id="{3BE58608-87A8-4D2A-95F8-E4E940273A63}"/>
-              </a:ext>
-            </a:extLst>
-          </p:cNvPr>
-          <p:cNvSpPr/>
-          <p:nvPr/>
-        </p:nvSpPr>
-        <p:spPr>
-          <a:xfrm>
-            <a:off x="81280" y="91440"/>
-            <a:ext cx="12029440" cy="6675120"/>
-          </a:xfrm>
-          <a:prstGeom prst="rect">
-            <a:avLst/>
-          </a:prstGeom>
-          <a:noFill/>
-          <a:ln w="19050">
-            <a:solidFill>
-              <a:schemeClr val="tx1"/>
-            </a:solidFill>
-          </a:ln>
-        </p:spPr>
-        <p:style>
-          <a:lnRef idx="2">
-            <a:schemeClr val="accent1">
-              <a:shade val="50000"/>
-            </a:schemeClr>
-          </a:lnRef>
-          <a:fillRef idx="1">
-            <a:schemeClr val="accent1"/>
-          </a:fillRef>
-          <a:effectRef idx="0">
-            <a:schemeClr val="accent1"/>
-          </a:effectRef>
-          <a:fontRef idx="minor">
-            <a:schemeClr val="lt1"/>
-          </a:fontRef>
-        </p:style>
-        <p:txBody>
-          <a:bodyPr rtlCol="0" anchor="ctr"/>
-          <a:lstStyle/>
-          <a:p>
-            <a:pPr algn="ctr"/>
-            <a:endParaRPr lang="en-US"/>
+              <a:t> Utilize others work via forking</a:t>
+            </a:r>
           </a:p>
         </p:txBody>
       </p:sp>
     </p:spTree>
     <p:extLst>
       <p:ext uri="{BB962C8B-B14F-4D97-AF65-F5344CB8AC3E}">
-        <p14:creationId xmlns:p14="http://schemas.microsoft.com/office/powerpoint/2010/main" val="1743641605"/>
+        <p14:creationId xmlns:p14="http://schemas.microsoft.com/office/powerpoint/2010/main" val="1429004345"/>
       </p:ext>
     </p:extLst>
   </p:cSld>
   <p:clrMapOvr>
     <a:masterClrMapping/>
   </p:clrMapOvr>
-  <p:timing>
-    <p:tnLst>
-      <p:par>
-        <p:cTn id="1" dur="indefinite" restart="never" nodeType="tmRoot">
-          <p:childTnLst>
-            <p:seq concurrent="1" nextAc="seek">
-              <p:cTn id="2" dur="indefinite" nodeType="mainSeq">
-                <p:childTnLst>
-                  <p:par>
-                    <p:cTn id="3" fill="hold">
-                      <p:stCondLst>
-                        <p:cond delay="indefinite"/>
-                      </p:stCondLst>
-                      <p:childTnLst>
-                        <p:par>
-                          <p:cTn id="4" fill="hold">
-                            <p:stCondLst>
-                              <p:cond delay="0"/>
-                            </p:stCondLst>
-                            <p:childTnLst>
-                              <p:par>
-                                <p:cTn id="5" presetID="10" presetClass="entr" presetSubtype="0" fill="hold" grpId="0" nodeType="clickEffect">
-                                  <p:stCondLst>
-                                    <p:cond delay="0"/>
-                                  </p:stCondLst>
-                                  <p:childTnLst>
-                                    <p:set>
-                                      <p:cBhvr>
-                                        <p:cTn id="6" dur="1" fill="hold">
-                                          <p:stCondLst>
-                                            <p:cond delay="0"/>
-                                          </p:stCondLst>
-                                        </p:cTn>
-                                        <p:tgtEl>
-                                          <p:spTgt spid="3">
-                                            <p:txEl>
-                                              <p:pRg st="0" end="0"/>
-                                            </p:txEl>
-                                          </p:spTgt>
-                                        </p:tgtEl>
-                                        <p:attrNameLst>
-                                          <p:attrName>style.visibility</p:attrName>
-                                        </p:attrNameLst>
-                                      </p:cBhvr>
-                                      <p:to>
-                                        <p:strVal val="visible"/>
-                                      </p:to>
-                                    </p:set>
-                                    <p:animEffect transition="in" filter="fade">
-                                      <p:cBhvr>
-                                        <p:cTn id="7" dur="500"/>
-                                        <p:tgtEl>
-                                          <p:spTgt spid="3">
-                                            <p:txEl>
-                                              <p:pRg st="0" end="0"/>
-                                            </p:txEl>
-                                          </p:spTgt>
-                                        </p:tgtEl>
-                                      </p:cBhvr>
-                                    </p:animEffect>
-                                  </p:childTnLst>
-                                </p:cTn>
-                              </p:par>
-                              <p:par>
-                                <p:cTn id="8" presetID="10" presetClass="entr" presetSubtype="0" fill="hold" grpId="0" nodeType="withEffect">
-                                  <p:stCondLst>
-                                    <p:cond delay="0"/>
-                                  </p:stCondLst>
-                                  <p:childTnLst>
-                                    <p:set>
-                                      <p:cBhvr>
-                                        <p:cTn id="9" dur="1" fill="hold">
-                                          <p:stCondLst>
-                                            <p:cond delay="0"/>
-                                          </p:stCondLst>
-                                        </p:cTn>
-                                        <p:tgtEl>
-                                          <p:spTgt spid="3">
-                                            <p:txEl>
-                                              <p:pRg st="1" end="1"/>
-                                            </p:txEl>
-                                          </p:spTgt>
-                                        </p:tgtEl>
-                                        <p:attrNameLst>
-                                          <p:attrName>style.visibility</p:attrName>
-                                        </p:attrNameLst>
-                                      </p:cBhvr>
-                                      <p:to>
-                                        <p:strVal val="visible"/>
-                                      </p:to>
-                                    </p:set>
-                                    <p:animEffect transition="in" filter="fade">
-                                      <p:cBhvr>
-                                        <p:cTn id="10" dur="500"/>
-                                        <p:tgtEl>
-                                          <p:spTgt spid="3">
-                                            <p:txEl>
-                                              <p:pRg st="1" end="1"/>
-                                            </p:txEl>
-                                          </p:spTgt>
-                                        </p:tgtEl>
-                                      </p:cBhvr>
-                                    </p:animEffect>
-                                  </p:childTnLst>
-                                </p:cTn>
-                              </p:par>
-                              <p:par>
-                                <p:cTn id="11" presetID="10" presetClass="entr" presetSubtype="0" fill="hold" grpId="0" nodeType="withEffect">
-                                  <p:stCondLst>
-                                    <p:cond delay="0"/>
-                                  </p:stCondLst>
-                                  <p:childTnLst>
-                                    <p:set>
-                                      <p:cBhvr>
-                                        <p:cTn id="12" dur="1" fill="hold">
-                                          <p:stCondLst>
-                                            <p:cond delay="0"/>
-                                          </p:stCondLst>
-                                        </p:cTn>
-                                        <p:tgtEl>
-                                          <p:spTgt spid="3">
-                                            <p:txEl>
-                                              <p:pRg st="2" end="2"/>
-                                            </p:txEl>
-                                          </p:spTgt>
-                                        </p:tgtEl>
-                                        <p:attrNameLst>
-                                          <p:attrName>style.visibility</p:attrName>
-                                        </p:attrNameLst>
-                                      </p:cBhvr>
-                                      <p:to>
-                                        <p:strVal val="visible"/>
-                                      </p:to>
-                                    </p:set>
-                                    <p:animEffect transition="in" filter="fade">
-                                      <p:cBhvr>
-                                        <p:cTn id="13" dur="500"/>
-                                        <p:tgtEl>
-                                          <p:spTgt spid="3">
-                                            <p:txEl>
-                                              <p:pRg st="2" end="2"/>
-                                            </p:txEl>
-                                          </p:spTgt>
-                                        </p:tgtEl>
-                                      </p:cBhvr>
-                                    </p:animEffect>
-                                  </p:childTnLst>
-                                </p:cTn>
-                              </p:par>
-                              <p:par>
-                                <p:cTn id="14" presetID="10" presetClass="entr" presetSubtype="0" fill="hold" grpId="0" nodeType="withEffect">
-                                  <p:stCondLst>
-                                    <p:cond delay="0"/>
-                                  </p:stCondLst>
-                                  <p:childTnLst>
-                                    <p:set>
-                                      <p:cBhvr>
-                                        <p:cTn id="15" dur="1" fill="hold">
-                                          <p:stCondLst>
-                                            <p:cond delay="0"/>
-                                          </p:stCondLst>
-                                        </p:cTn>
-                                        <p:tgtEl>
-                                          <p:spTgt spid="3">
-                                            <p:txEl>
-                                              <p:pRg st="3" end="3"/>
-                                            </p:txEl>
-                                          </p:spTgt>
-                                        </p:tgtEl>
-                                        <p:attrNameLst>
-                                          <p:attrName>style.visibility</p:attrName>
-                                        </p:attrNameLst>
-                                      </p:cBhvr>
-                                      <p:to>
-                                        <p:strVal val="visible"/>
-                                      </p:to>
-                                    </p:set>
-                                    <p:animEffect transition="in" filter="fade">
-                                      <p:cBhvr>
-                                        <p:cTn id="16" dur="500"/>
-                                        <p:tgtEl>
-                                          <p:spTgt spid="3">
-                                            <p:txEl>
-                                              <p:pRg st="3" end="3"/>
-                                            </p:txEl>
-                                          </p:spTgt>
-                                        </p:tgtEl>
-                                      </p:cBhvr>
-                                    </p:animEffect>
-                                  </p:childTnLst>
-                                </p:cTn>
-                              </p:par>
-                              <p:par>
-                                <p:cTn id="17" presetID="10" presetClass="entr" presetSubtype="0" fill="hold" grpId="0" nodeType="withEffect">
-                                  <p:stCondLst>
-                                    <p:cond delay="0"/>
-                                  </p:stCondLst>
-                                  <p:childTnLst>
-                                    <p:set>
-                                      <p:cBhvr>
-                                        <p:cTn id="18" dur="1" fill="hold">
-                                          <p:stCondLst>
-                                            <p:cond delay="0"/>
-                                          </p:stCondLst>
-                                        </p:cTn>
-                                        <p:tgtEl>
-                                          <p:spTgt spid="3">
-                                            <p:txEl>
-                                              <p:pRg st="4" end="4"/>
-                                            </p:txEl>
-                                          </p:spTgt>
-                                        </p:tgtEl>
-                                        <p:attrNameLst>
-                                          <p:attrName>style.visibility</p:attrName>
-                                        </p:attrNameLst>
-                                      </p:cBhvr>
-                                      <p:to>
-                                        <p:strVal val="visible"/>
-                                      </p:to>
-                                    </p:set>
-                                    <p:animEffect transition="in" filter="fade">
-                                      <p:cBhvr>
-                                        <p:cTn id="19" dur="500"/>
-                                        <p:tgtEl>
-                                          <p:spTgt spid="3">
-                                            <p:txEl>
-                                              <p:pRg st="4" end="4"/>
-                                            </p:txEl>
-                                          </p:spTgt>
-                                        </p:tgtEl>
-                                      </p:cBhvr>
-                                    </p:animEffect>
-                                  </p:childTnLst>
-                                </p:cTn>
-                              </p:par>
-                            </p:childTnLst>
-                          </p:cTn>
-                        </p:par>
-                      </p:childTnLst>
-                    </p:cTn>
-                  </p:par>
-                  <p:par>
-                    <p:cTn id="20" fill="hold">
-                      <p:stCondLst>
-                        <p:cond delay="indefinite"/>
-                      </p:stCondLst>
-                      <p:childTnLst>
-                        <p:par>
-                          <p:cTn id="21" fill="hold">
-                            <p:stCondLst>
-                              <p:cond delay="0"/>
-                            </p:stCondLst>
-                            <p:childTnLst>
-                              <p:par>
-                                <p:cTn id="22" presetID="10" presetClass="entr" presetSubtype="0" fill="hold" grpId="0" nodeType="clickEffect">
-                                  <p:stCondLst>
-                                    <p:cond delay="0"/>
-                                  </p:stCondLst>
-                                  <p:childTnLst>
-                                    <p:set>
-                                      <p:cBhvr>
-                                        <p:cTn id="23" dur="1" fill="hold">
-                                          <p:stCondLst>
-                                            <p:cond delay="0"/>
-                                          </p:stCondLst>
-                                        </p:cTn>
-                                        <p:tgtEl>
-                                          <p:spTgt spid="3">
-                                            <p:txEl>
-                                              <p:pRg st="5" end="5"/>
-                                            </p:txEl>
-                                          </p:spTgt>
-                                        </p:tgtEl>
-                                        <p:attrNameLst>
-                                          <p:attrName>style.visibility</p:attrName>
-                                        </p:attrNameLst>
-                                      </p:cBhvr>
-                                      <p:to>
-                                        <p:strVal val="visible"/>
-                                      </p:to>
-                                    </p:set>
-                                    <p:animEffect transition="in" filter="fade">
-                                      <p:cBhvr>
-                                        <p:cTn id="24" dur="500"/>
-                                        <p:tgtEl>
-                                          <p:spTgt spid="3">
-                                            <p:txEl>
-                                              <p:pRg st="5" end="5"/>
-                                            </p:txEl>
-                                          </p:spTgt>
-                                        </p:tgtEl>
-                                      </p:cBhvr>
-                                    </p:animEffect>
-                                  </p:childTnLst>
-                                </p:cTn>
-                              </p:par>
-                              <p:par>
-                                <p:cTn id="25" presetID="10" presetClass="entr" presetSubtype="0" fill="hold" grpId="0" nodeType="withEffect">
-                                  <p:stCondLst>
-                                    <p:cond delay="0"/>
-                                  </p:stCondLst>
-                                  <p:childTnLst>
-                                    <p:set>
-                                      <p:cBhvr>
-                                        <p:cTn id="26" dur="1" fill="hold">
-                                          <p:stCondLst>
-                                            <p:cond delay="0"/>
-                                          </p:stCondLst>
-                                        </p:cTn>
-                                        <p:tgtEl>
-                                          <p:spTgt spid="3">
-                                            <p:txEl>
-                                              <p:pRg st="6" end="6"/>
-                                            </p:txEl>
-                                          </p:spTgt>
-                                        </p:tgtEl>
-                                        <p:attrNameLst>
-                                          <p:attrName>style.visibility</p:attrName>
-                                        </p:attrNameLst>
-                                      </p:cBhvr>
-                                      <p:to>
-                                        <p:strVal val="visible"/>
-                                      </p:to>
-                                    </p:set>
-                                    <p:animEffect transition="in" filter="fade">
-                                      <p:cBhvr>
-                                        <p:cTn id="27" dur="500"/>
-                                        <p:tgtEl>
-                                          <p:spTgt spid="3">
-                                            <p:txEl>
-                                              <p:pRg st="6" end="6"/>
-                                            </p:txEl>
-                                          </p:spTgt>
-                                        </p:tgtEl>
-                                      </p:cBhvr>
-                                    </p:animEffect>
-                                  </p:childTnLst>
-                                </p:cTn>
-                              </p:par>
-                              <p:par>
-                                <p:cTn id="28" presetID="10" presetClass="entr" presetSubtype="0" fill="hold" grpId="0" nodeType="withEffect">
-                                  <p:stCondLst>
-                                    <p:cond delay="0"/>
-                                  </p:stCondLst>
-                                  <p:childTnLst>
-                                    <p:set>
-                                      <p:cBhvr>
-                                        <p:cTn id="29" dur="1" fill="hold">
-                                          <p:stCondLst>
-                                            <p:cond delay="0"/>
-                                          </p:stCondLst>
-                                        </p:cTn>
-                                        <p:tgtEl>
-                                          <p:spTgt spid="3">
-                                            <p:txEl>
-                                              <p:pRg st="7" end="7"/>
-                                            </p:txEl>
-                                          </p:spTgt>
-                                        </p:tgtEl>
-                                        <p:attrNameLst>
-                                          <p:attrName>style.visibility</p:attrName>
-                                        </p:attrNameLst>
-                                      </p:cBhvr>
-                                      <p:to>
-                                        <p:strVal val="visible"/>
-                                      </p:to>
-                                    </p:set>
-                                    <p:animEffect transition="in" filter="fade">
-                                      <p:cBhvr>
-                                        <p:cTn id="30" dur="500"/>
-                                        <p:tgtEl>
-                                          <p:spTgt spid="3">
-                                            <p:txEl>
-                                              <p:pRg st="7" end="7"/>
-                                            </p:txEl>
-                                          </p:spTgt>
-                                        </p:tgtEl>
-                                      </p:cBhvr>
-                                    </p:animEffect>
-                                  </p:childTnLst>
-                                </p:cTn>
-                              </p:par>
-                              <p:par>
-                                <p:cTn id="31" presetID="10" presetClass="entr" presetSubtype="0" fill="hold" grpId="0" nodeType="withEffect">
-                                  <p:stCondLst>
-                                    <p:cond delay="0"/>
-                                  </p:stCondLst>
-                                  <p:childTnLst>
-                                    <p:set>
-                                      <p:cBhvr>
-                                        <p:cTn id="32" dur="1" fill="hold">
-                                          <p:stCondLst>
-                                            <p:cond delay="0"/>
-                                          </p:stCondLst>
-                                        </p:cTn>
-                                        <p:tgtEl>
-                                          <p:spTgt spid="3">
-                                            <p:txEl>
-                                              <p:pRg st="8" end="8"/>
-                                            </p:txEl>
-                                          </p:spTgt>
-                                        </p:tgtEl>
-                                        <p:attrNameLst>
-                                          <p:attrName>style.visibility</p:attrName>
-                                        </p:attrNameLst>
-                                      </p:cBhvr>
-                                      <p:to>
-                                        <p:strVal val="visible"/>
-                                      </p:to>
-                                    </p:set>
-                                    <p:animEffect transition="in" filter="fade">
-                                      <p:cBhvr>
-                                        <p:cTn id="33" dur="500"/>
-                                        <p:tgtEl>
-                                          <p:spTgt spid="3">
-                                            <p:txEl>
-                                              <p:pRg st="8" end="8"/>
-                                            </p:txEl>
-                                          </p:spTgt>
-                                        </p:tgtEl>
-                                      </p:cBhvr>
-                                    </p:animEffect>
-                                  </p:childTnLst>
-                                </p:cTn>
-                              </p:par>
-                              <p:par>
-                                <p:cTn id="34" presetID="10" presetClass="entr" presetSubtype="0" fill="hold" grpId="0" nodeType="withEffect">
-                                  <p:stCondLst>
-                                    <p:cond delay="0"/>
-                                  </p:stCondLst>
-                                  <p:childTnLst>
-                                    <p:set>
-                                      <p:cBhvr>
-                                        <p:cTn id="35" dur="1" fill="hold">
-                                          <p:stCondLst>
-                                            <p:cond delay="0"/>
-                                          </p:stCondLst>
-                                        </p:cTn>
-                                        <p:tgtEl>
-                                          <p:spTgt spid="3">
-                                            <p:txEl>
-                                              <p:pRg st="9" end="9"/>
-                                            </p:txEl>
-                                          </p:spTgt>
-                                        </p:tgtEl>
-                                        <p:attrNameLst>
-                                          <p:attrName>style.visibility</p:attrName>
-                                        </p:attrNameLst>
-                                      </p:cBhvr>
-                                      <p:to>
-                                        <p:strVal val="visible"/>
-                                      </p:to>
-                                    </p:set>
-                                    <p:animEffect transition="in" filter="fade">
-                                      <p:cBhvr>
-                                        <p:cTn id="36" dur="500"/>
-                                        <p:tgtEl>
-                                          <p:spTgt spid="3">
-                                            <p:txEl>
-                                              <p:pRg st="9" end="9"/>
-                                            </p:txEl>
-                                          </p:spTgt>
-                                        </p:tgtEl>
-                                      </p:cBhvr>
-                                    </p:animEffect>
-                                  </p:childTnLst>
-                                </p:cTn>
-                              </p:par>
-                            </p:childTnLst>
-                          </p:cTn>
-                        </p:par>
-                      </p:childTnLst>
-                    </p:cTn>
-                  </p:par>
-                </p:childTnLst>
-              </p:cTn>
-              <p:prevCondLst>
-                <p:cond evt="onPrev" delay="0">
-                  <p:tgtEl>
-                    <p:sldTgt/>
-                  </p:tgtEl>
-                </p:cond>
-              </p:prevCondLst>
-              <p:nextCondLst>
-                <p:cond evt="onNext" delay="0">
-                  <p:tgtEl>
-                    <p:sldTgt/>
-                  </p:tgtEl>
-                </p:cond>
-              </p:nextCondLst>
-            </p:seq>
-          </p:childTnLst>
-        </p:cTn>
-      </p:par>
-    </p:tnLst>
-    <p:bldLst>
-      <p:bldP spid="3" grpId="0" build="p"/>
-    </p:bldLst>
-  </p:timing>
 </p:sld>
 </file>
 
